--- a/Predicting Traffic Crashes in Chicago.pptx
+++ b/Predicting Traffic Crashes in Chicago.pptx
@@ -8,16 +8,18 @@
     <p:sldId id="256" r:id="rId2"/>
     <p:sldId id="257" r:id="rId3"/>
     <p:sldId id="258" r:id="rId4"/>
-    <p:sldId id="259" r:id="rId5"/>
-    <p:sldId id="260" r:id="rId6"/>
-    <p:sldId id="261" r:id="rId7"/>
-    <p:sldId id="262" r:id="rId8"/>
-    <p:sldId id="263" r:id="rId9"/>
-    <p:sldId id="264" r:id="rId10"/>
-    <p:sldId id="266" r:id="rId11"/>
-    <p:sldId id="267" r:id="rId12"/>
-    <p:sldId id="268" r:id="rId13"/>
-    <p:sldId id="269" r:id="rId14"/>
+    <p:sldId id="270" r:id="rId5"/>
+    <p:sldId id="259" r:id="rId6"/>
+    <p:sldId id="260" r:id="rId7"/>
+    <p:sldId id="261" r:id="rId8"/>
+    <p:sldId id="262" r:id="rId9"/>
+    <p:sldId id="263" r:id="rId10"/>
+    <p:sldId id="264" r:id="rId11"/>
+    <p:sldId id="266" r:id="rId12"/>
+    <p:sldId id="271" r:id="rId13"/>
+    <p:sldId id="272" r:id="rId14"/>
+    <p:sldId id="267" r:id="rId15"/>
+    <p:sldId id="269" r:id="rId16"/>
   </p:sldIdLst>
   <p:sldSz cx="12192000" cy="6858000"/>
   <p:notesSz cx="6858000" cy="9144000"/>
@@ -128,8 +130,8 @@
 <pc:chgInfo xmlns:a="http://schemas.openxmlformats.org/drawingml/2006/main" xmlns:r="http://schemas.openxmlformats.org/officeDocument/2006/relationships" xmlns:ac="http://schemas.microsoft.com/office/drawing/2013/main/command" xmlns:pc="http://schemas.microsoft.com/office/powerpoint/2013/main/command">
   <pc:docChgLst>
     <pc:chgData name="Angela Mercy" userId="1848ee6720d91e54" providerId="LiveId" clId="{FF37F5CA-0D68-47C9-B91C-5A40A76F4920}"/>
-    <pc:docChg chg="undo custSel delSld modSld sldOrd">
-      <pc:chgData name="Angela Mercy" userId="1848ee6720d91e54" providerId="LiveId" clId="{FF37F5CA-0D68-47C9-B91C-5A40A76F4920}" dt="2025-01-17T10:24:14.434" v="1262" actId="1076"/>
+    <pc:docChg chg="undo custSel addSld delSld modSld sldOrd">
+      <pc:chgData name="Angela Mercy" userId="1848ee6720d91e54" providerId="LiveId" clId="{FF37F5CA-0D68-47C9-B91C-5A40A76F4920}" dt="2025-01-28T05:49:24.446" v="1509" actId="2696"/>
       <pc:docMkLst>
         <pc:docMk/>
       </pc:docMkLst>
@@ -157,13 +159,13 @@
         </pc:spChg>
       </pc:sldChg>
       <pc:sldChg chg="modSp mod ord">
-        <pc:chgData name="Angela Mercy" userId="1848ee6720d91e54" providerId="LiveId" clId="{FF37F5CA-0D68-47C9-B91C-5A40A76F4920}" dt="2025-01-17T10:17:08.622" v="1207" actId="20577"/>
+        <pc:chgData name="Angela Mercy" userId="1848ee6720d91e54" providerId="LiveId" clId="{FF37F5CA-0D68-47C9-B91C-5A40A76F4920}" dt="2025-01-28T05:35:47.252" v="1414" actId="20577"/>
         <pc:sldMkLst>
           <pc:docMk/>
           <pc:sldMk cId="1995214234" sldId="257"/>
         </pc:sldMkLst>
         <pc:spChg chg="mod">
-          <ac:chgData name="Angela Mercy" userId="1848ee6720d91e54" providerId="LiveId" clId="{FF37F5CA-0D68-47C9-B91C-5A40A76F4920}" dt="2025-01-17T10:17:08.622" v="1207" actId="20577"/>
+          <ac:chgData name="Angela Mercy" userId="1848ee6720d91e54" providerId="LiveId" clId="{FF37F5CA-0D68-47C9-B91C-5A40A76F4920}" dt="2025-01-28T05:35:47.252" v="1414" actId="20577"/>
           <ac:spMkLst>
             <pc:docMk/>
             <pc:sldMk cId="1995214234" sldId="257"/>
@@ -172,13 +174,13 @@
         </pc:spChg>
       </pc:sldChg>
       <pc:sldChg chg="modSp mod">
-        <pc:chgData name="Angela Mercy" userId="1848ee6720d91e54" providerId="LiveId" clId="{FF37F5CA-0D68-47C9-B91C-5A40A76F4920}" dt="2025-01-17T10:11:20.787" v="733" actId="5793"/>
+        <pc:chgData name="Angela Mercy" userId="1848ee6720d91e54" providerId="LiveId" clId="{FF37F5CA-0D68-47C9-B91C-5A40A76F4920}" dt="2025-01-28T05:37:51.581" v="1448" actId="113"/>
         <pc:sldMkLst>
           <pc:docMk/>
           <pc:sldMk cId="2129572980" sldId="258"/>
         </pc:sldMkLst>
         <pc:spChg chg="mod">
-          <ac:chgData name="Angela Mercy" userId="1848ee6720d91e54" providerId="LiveId" clId="{FF37F5CA-0D68-47C9-B91C-5A40A76F4920}" dt="2025-01-17T10:11:20.787" v="733" actId="5793"/>
+          <ac:chgData name="Angela Mercy" userId="1848ee6720d91e54" providerId="LiveId" clId="{FF37F5CA-0D68-47C9-B91C-5A40A76F4920}" dt="2025-01-28T05:37:51.581" v="1448" actId="113"/>
           <ac:spMkLst>
             <pc:docMk/>
             <pc:sldMk cId="2129572980" sldId="258"/>
@@ -246,29 +248,45 @@
           </ac:spMkLst>
         </pc:spChg>
       </pc:sldChg>
-      <pc:sldChg chg="modSp mod">
-        <pc:chgData name="Angela Mercy" userId="1848ee6720d91e54" providerId="LiveId" clId="{FF37F5CA-0D68-47C9-B91C-5A40A76F4920}" dt="2025-01-17T10:12:23.139" v="858" actId="1076"/>
+      <pc:sldChg chg="addSp modSp mod">
+        <pc:chgData name="Angela Mercy" userId="1848ee6720d91e54" providerId="LiveId" clId="{FF37F5CA-0D68-47C9-B91C-5A40A76F4920}" dt="2025-01-28T05:41:39.433" v="1469" actId="1076"/>
         <pc:sldMkLst>
           <pc:docMk/>
           <pc:sldMk cId="3967890430" sldId="263"/>
         </pc:sldMkLst>
         <pc:spChg chg="mod">
-          <ac:chgData name="Angela Mercy" userId="1848ee6720d91e54" providerId="LiveId" clId="{FF37F5CA-0D68-47C9-B91C-5A40A76F4920}" dt="2025-01-17T10:12:23.139" v="858" actId="1076"/>
+          <ac:chgData name="Angela Mercy" userId="1848ee6720d91e54" providerId="LiveId" clId="{FF37F5CA-0D68-47C9-B91C-5A40A76F4920}" dt="2025-01-28T05:41:27.007" v="1467" actId="14100"/>
           <ac:spMkLst>
             <pc:docMk/>
             <pc:sldMk cId="3967890430" sldId="263"/>
             <ac:spMk id="3" creationId="{9BF3BD72-1DF4-F1E7-BE89-99F3B2953DB1}"/>
           </ac:spMkLst>
         </pc:spChg>
+        <pc:spChg chg="add mod">
+          <ac:chgData name="Angela Mercy" userId="1848ee6720d91e54" providerId="LiveId" clId="{FF37F5CA-0D68-47C9-B91C-5A40A76F4920}" dt="2025-01-28T05:41:39.433" v="1469" actId="1076"/>
+          <ac:spMkLst>
+            <pc:docMk/>
+            <pc:sldMk cId="3967890430" sldId="263"/>
+            <ac:spMk id="4" creationId="{3BDF9AAA-E802-F09E-C293-C512ECD05146}"/>
+          </ac:spMkLst>
+        </pc:spChg>
+        <pc:graphicFrameChg chg="add mod modGraphic">
+          <ac:chgData name="Angela Mercy" userId="1848ee6720d91e54" providerId="LiveId" clId="{FF37F5CA-0D68-47C9-B91C-5A40A76F4920}" dt="2025-01-28T05:40:53.242" v="1460" actId="1076"/>
+          <ac:graphicFrameMkLst>
+            <pc:docMk/>
+            <pc:sldMk cId="3967890430" sldId="263"/>
+            <ac:graphicFrameMk id="2" creationId="{CD693D6C-A863-1593-83DF-E6024186E69D}"/>
+          </ac:graphicFrameMkLst>
+        </pc:graphicFrameChg>
       </pc:sldChg>
       <pc:sldChg chg="modSp mod">
-        <pc:chgData name="Angela Mercy" userId="1848ee6720d91e54" providerId="LiveId" clId="{FF37F5CA-0D68-47C9-B91C-5A40A76F4920}" dt="2025-01-17T10:13:00.102" v="922" actId="5793"/>
+        <pc:chgData name="Angela Mercy" userId="1848ee6720d91e54" providerId="LiveId" clId="{FF37F5CA-0D68-47C9-B91C-5A40A76F4920}" dt="2025-01-28T05:42:07.550" v="1487" actId="20577"/>
         <pc:sldMkLst>
           <pc:docMk/>
           <pc:sldMk cId="3916930139" sldId="264"/>
         </pc:sldMkLst>
         <pc:spChg chg="mod">
-          <ac:chgData name="Angela Mercy" userId="1848ee6720d91e54" providerId="LiveId" clId="{FF37F5CA-0D68-47C9-B91C-5A40A76F4920}" dt="2025-01-17T10:13:00.102" v="922" actId="5793"/>
+          <ac:chgData name="Angela Mercy" userId="1848ee6720d91e54" providerId="LiveId" clId="{FF37F5CA-0D68-47C9-B91C-5A40A76F4920}" dt="2025-01-28T05:42:07.550" v="1487" actId="20577"/>
           <ac:spMkLst>
             <pc:docMk/>
             <pc:sldMk cId="3916930139" sldId="264"/>
@@ -283,20 +301,28 @@
           <pc:sldMk cId="219875447" sldId="265"/>
         </pc:sldMkLst>
       </pc:sldChg>
-      <pc:sldChg chg="modSp mod">
-        <pc:chgData name="Angela Mercy" userId="1848ee6720d91e54" providerId="LiveId" clId="{FF37F5CA-0D68-47C9-B91C-5A40A76F4920}" dt="2025-01-17T10:13:43.730" v="983" actId="5793"/>
+      <pc:sldChg chg="addSp modSp mod">
+        <pc:chgData name="Angela Mercy" userId="1848ee6720d91e54" providerId="LiveId" clId="{FF37F5CA-0D68-47C9-B91C-5A40A76F4920}" dt="2025-01-28T05:48:58.240" v="1507" actId="14100"/>
         <pc:sldMkLst>
           <pc:docMk/>
           <pc:sldMk cId="1054137142" sldId="266"/>
         </pc:sldMkLst>
         <pc:spChg chg="mod">
-          <ac:chgData name="Angela Mercy" userId="1848ee6720d91e54" providerId="LiveId" clId="{FF37F5CA-0D68-47C9-B91C-5A40A76F4920}" dt="2025-01-17T10:13:43.730" v="983" actId="5793"/>
+          <ac:chgData name="Angela Mercy" userId="1848ee6720d91e54" providerId="LiveId" clId="{FF37F5CA-0D68-47C9-B91C-5A40A76F4920}" dt="2025-01-28T05:45:35.254" v="1489" actId="5793"/>
           <ac:spMkLst>
             <pc:docMk/>
             <pc:sldMk cId="1054137142" sldId="266"/>
             <ac:spMk id="3" creationId="{362EE7D5-65E7-46C5-D81B-420CDF069A82}"/>
           </ac:spMkLst>
         </pc:spChg>
+        <pc:picChg chg="add mod">
+          <ac:chgData name="Angela Mercy" userId="1848ee6720d91e54" providerId="LiveId" clId="{FF37F5CA-0D68-47C9-B91C-5A40A76F4920}" dt="2025-01-28T05:48:58.240" v="1507" actId="14100"/>
+          <ac:picMkLst>
+            <pc:docMk/>
+            <pc:sldMk cId="1054137142" sldId="266"/>
+            <ac:picMk id="2" creationId="{AEC1DC5F-7D4F-ADB7-F3C4-7AA84D9DE61D}"/>
+          </ac:picMkLst>
+        </pc:picChg>
       </pc:sldChg>
       <pc:sldChg chg="modSp mod">
         <pc:chgData name="Angela Mercy" userId="1848ee6720d91e54" providerId="LiveId" clId="{FF37F5CA-0D68-47C9-B91C-5A40A76F4920}" dt="2025-01-17T10:13:59.070" v="1054" actId="1076"/>
@@ -313,14 +339,14 @@
           </ac:spMkLst>
         </pc:spChg>
       </pc:sldChg>
-      <pc:sldChg chg="modSp mod">
-        <pc:chgData name="Angela Mercy" userId="1848ee6720d91e54" providerId="LiveId" clId="{FF37F5CA-0D68-47C9-B91C-5A40A76F4920}" dt="2025-01-17T10:14:14.471" v="1101" actId="1076"/>
+      <pc:sldChg chg="modSp del mod">
+        <pc:chgData name="Angela Mercy" userId="1848ee6720d91e54" providerId="LiveId" clId="{FF37F5CA-0D68-47C9-B91C-5A40A76F4920}" dt="2025-01-28T05:49:24.446" v="1509" actId="2696"/>
         <pc:sldMkLst>
           <pc:docMk/>
           <pc:sldMk cId="3488717890" sldId="268"/>
         </pc:sldMkLst>
         <pc:spChg chg="mod">
-          <ac:chgData name="Angela Mercy" userId="1848ee6720d91e54" providerId="LiveId" clId="{FF37F5CA-0D68-47C9-B91C-5A40A76F4920}" dt="2025-01-17T10:14:14.471" v="1101" actId="1076"/>
+          <ac:chgData name="Angela Mercy" userId="1848ee6720d91e54" providerId="LiveId" clId="{FF37F5CA-0D68-47C9-B91C-5A40A76F4920}" dt="2025-01-28T05:49:18.422" v="1508" actId="1076"/>
           <ac:spMkLst>
             <pc:docMk/>
             <pc:sldMk cId="3488717890" sldId="268"/>
@@ -342,6 +368,51 @@
             <ac:spMk id="3" creationId="{4CC5E944-F2D4-8544-8942-DBD120946942}"/>
           </ac:spMkLst>
         </pc:spChg>
+      </pc:sldChg>
+      <pc:sldChg chg="addSp modSp new mod ord">
+        <pc:chgData name="Angela Mercy" userId="1848ee6720d91e54" providerId="LiveId" clId="{FF37F5CA-0D68-47C9-B91C-5A40A76F4920}" dt="2025-01-28T05:33:15.010" v="1376" actId="5793"/>
+        <pc:sldMkLst>
+          <pc:docMk/>
+          <pc:sldMk cId="3895103046" sldId="270"/>
+        </pc:sldMkLst>
+        <pc:spChg chg="add mod">
+          <ac:chgData name="Angela Mercy" userId="1848ee6720d91e54" providerId="LiveId" clId="{FF37F5CA-0D68-47C9-B91C-5A40A76F4920}" dt="2025-01-28T05:33:15.010" v="1376" actId="5793"/>
+          <ac:spMkLst>
+            <pc:docMk/>
+            <pc:sldMk cId="3895103046" sldId="270"/>
+            <ac:spMk id="3" creationId="{66CA661C-2331-9A40-1841-F119E7B17E4C}"/>
+          </ac:spMkLst>
+        </pc:spChg>
+      </pc:sldChg>
+      <pc:sldChg chg="addSp modSp new mod">
+        <pc:chgData name="Angela Mercy" userId="1848ee6720d91e54" providerId="LiveId" clId="{FF37F5CA-0D68-47C9-B91C-5A40A76F4920}" dt="2025-01-28T05:48:45.312" v="1503" actId="14100"/>
+        <pc:sldMkLst>
+          <pc:docMk/>
+          <pc:sldMk cId="2238600581" sldId="271"/>
+        </pc:sldMkLst>
+        <pc:picChg chg="add mod">
+          <ac:chgData name="Angela Mercy" userId="1848ee6720d91e54" providerId="LiveId" clId="{FF37F5CA-0D68-47C9-B91C-5A40A76F4920}" dt="2025-01-28T05:48:45.312" v="1503" actId="14100"/>
+          <ac:picMkLst>
+            <pc:docMk/>
+            <pc:sldMk cId="2238600581" sldId="271"/>
+            <ac:picMk id="2" creationId="{1375B025-1F7B-B220-8673-5D8398205665}"/>
+          </ac:picMkLst>
+        </pc:picChg>
+      </pc:sldChg>
+      <pc:sldChg chg="addSp modSp new mod">
+        <pc:chgData name="Angela Mercy" userId="1848ee6720d91e54" providerId="LiveId" clId="{FF37F5CA-0D68-47C9-B91C-5A40A76F4920}" dt="2025-01-28T05:48:22.575" v="1498" actId="14100"/>
+        <pc:sldMkLst>
+          <pc:docMk/>
+          <pc:sldMk cId="2285879828" sldId="272"/>
+        </pc:sldMkLst>
+        <pc:picChg chg="add mod">
+          <ac:chgData name="Angela Mercy" userId="1848ee6720d91e54" providerId="LiveId" clId="{FF37F5CA-0D68-47C9-B91C-5A40A76F4920}" dt="2025-01-28T05:48:22.575" v="1498" actId="14100"/>
+          <ac:picMkLst>
+            <pc:docMk/>
+            <pc:sldMk cId="2285879828" sldId="272"/>
+            <ac:picMk id="2" creationId="{F2D8418E-5E24-F32A-A87A-965ABB152C06}"/>
+          </ac:picMkLst>
+        </pc:picChg>
       </pc:sldChg>
     </pc:docChg>
   </pc:docChgLst>
@@ -536,7 +607,7 @@
           <a:p>
             <a:fld id="{7DE15A1A-83D7-4FA6-86BC-A83A83CD79DC}" type="datetimeFigureOut">
               <a:rPr lang="en-US" smtClean="0"/>
-              <a:t>1/17/2025</a:t>
+              <a:t>1/28/2025</a:t>
             </a:fld>
             <a:endParaRPr lang="en-US"/>
           </a:p>
@@ -874,7 +945,7 @@
           <a:p>
             <a:fld id="{7DE15A1A-83D7-4FA6-86BC-A83A83CD79DC}" type="datetimeFigureOut">
               <a:rPr lang="en-US" smtClean="0"/>
-              <a:t>1/17/2025</a:t>
+              <a:t>1/28/2025</a:t>
             </a:fld>
             <a:endParaRPr lang="en-US"/>
           </a:p>
@@ -1275,7 +1346,7 @@
           <a:p>
             <a:fld id="{7DE15A1A-83D7-4FA6-86BC-A83A83CD79DC}" type="datetimeFigureOut">
               <a:rPr lang="en-US" smtClean="0"/>
-              <a:t>1/17/2025</a:t>
+              <a:t>1/28/2025</a:t>
             </a:fld>
             <a:endParaRPr lang="en-US"/>
           </a:p>
@@ -1611,7 +1682,7 @@
           <a:p>
             <a:fld id="{7DE15A1A-83D7-4FA6-86BC-A83A83CD79DC}" type="datetimeFigureOut">
               <a:rPr lang="en-US" smtClean="0"/>
-              <a:t>1/17/2025</a:t>
+              <a:t>1/28/2025</a:t>
             </a:fld>
             <a:endParaRPr lang="en-US"/>
           </a:p>
@@ -1931,7 +2002,7 @@
           <a:p>
             <a:fld id="{7DE15A1A-83D7-4FA6-86BC-A83A83CD79DC}" type="datetimeFigureOut">
               <a:rPr lang="en-US" smtClean="0"/>
-              <a:t>1/17/2025</a:t>
+              <a:t>1/28/2025</a:t>
             </a:fld>
             <a:endParaRPr lang="en-US"/>
           </a:p>
@@ -2327,7 +2398,7 @@
           <a:p>
             <a:fld id="{7DE15A1A-83D7-4FA6-86BC-A83A83CD79DC}" type="datetimeFigureOut">
               <a:rPr lang="en-US" smtClean="0"/>
-              <a:t>1/17/2025</a:t>
+              <a:t>1/28/2025</a:t>
             </a:fld>
             <a:endParaRPr lang="en-US"/>
           </a:p>
@@ -2584,7 +2655,7 @@
           <a:p>
             <a:fld id="{7DE15A1A-83D7-4FA6-86BC-A83A83CD79DC}" type="datetimeFigureOut">
               <a:rPr lang="en-US" smtClean="0"/>
-              <a:t>1/17/2025</a:t>
+              <a:t>1/28/2025</a:t>
             </a:fld>
             <a:endParaRPr lang="en-US"/>
           </a:p>
@@ -2846,7 +2917,7 @@
           <a:p>
             <a:fld id="{7DE15A1A-83D7-4FA6-86BC-A83A83CD79DC}" type="datetimeFigureOut">
               <a:rPr lang="en-US" smtClean="0"/>
-              <a:t>1/17/2025</a:t>
+              <a:t>1/28/2025</a:t>
             </a:fld>
             <a:endParaRPr lang="en-US"/>
           </a:p>
@@ -3108,7 +3179,7 @@
           <a:p>
             <a:fld id="{7DE15A1A-83D7-4FA6-86BC-A83A83CD79DC}" type="datetimeFigureOut">
               <a:rPr lang="en-US" smtClean="0"/>
-              <a:t>1/17/2025</a:t>
+              <a:t>1/28/2025</a:t>
             </a:fld>
             <a:endParaRPr lang="en-US"/>
           </a:p>
@@ -3437,7 +3508,7 @@
           <a:p>
             <a:fld id="{7DE15A1A-83D7-4FA6-86BC-A83A83CD79DC}" type="datetimeFigureOut">
               <a:rPr lang="en-US" smtClean="0"/>
-              <a:t>1/17/2025</a:t>
+              <a:t>1/28/2025</a:t>
             </a:fld>
             <a:endParaRPr lang="en-US"/>
           </a:p>
@@ -3760,7 +3831,7 @@
           <a:p>
             <a:fld id="{7DE15A1A-83D7-4FA6-86BC-A83A83CD79DC}" type="datetimeFigureOut">
               <a:rPr lang="en-US" smtClean="0"/>
-              <a:t>1/17/2025</a:t>
+              <a:t>1/28/2025</a:t>
             </a:fld>
             <a:endParaRPr lang="en-US"/>
           </a:p>
@@ -4217,7 +4288,7 @@
           <a:p>
             <a:fld id="{7DE15A1A-83D7-4FA6-86BC-A83A83CD79DC}" type="datetimeFigureOut">
               <a:rPr lang="en-US" smtClean="0"/>
-              <a:t>1/17/2025</a:t>
+              <a:t>1/28/2025</a:t>
             </a:fld>
             <a:endParaRPr lang="en-US"/>
           </a:p>
@@ -4422,7 +4493,7 @@
           <a:p>
             <a:fld id="{7DE15A1A-83D7-4FA6-86BC-A83A83CD79DC}" type="datetimeFigureOut">
               <a:rPr lang="en-US" smtClean="0"/>
-              <a:t>1/17/2025</a:t>
+              <a:t>1/28/2025</a:t>
             </a:fld>
             <a:endParaRPr lang="en-US"/>
           </a:p>
@@ -4599,7 +4670,7 @@
           <a:p>
             <a:fld id="{7DE15A1A-83D7-4FA6-86BC-A83A83CD79DC}" type="datetimeFigureOut">
               <a:rPr lang="en-US" smtClean="0"/>
-              <a:t>1/17/2025</a:t>
+              <a:t>1/28/2025</a:t>
             </a:fld>
             <a:endParaRPr lang="en-US"/>
           </a:p>
@@ -4932,7 +5003,7 @@
           <a:p>
             <a:fld id="{7DE15A1A-83D7-4FA6-86BC-A83A83CD79DC}" type="datetimeFigureOut">
               <a:rPr lang="en-US" smtClean="0"/>
-              <a:t>1/17/2025</a:t>
+              <a:t>1/28/2025</a:t>
             </a:fld>
             <a:endParaRPr lang="en-US"/>
           </a:p>
@@ -5277,7 +5348,7 @@
           <a:p>
             <a:fld id="{7DE15A1A-83D7-4FA6-86BC-A83A83CD79DC}" type="datetimeFigureOut">
               <a:rPr lang="en-US" smtClean="0"/>
-              <a:t>1/17/2025</a:t>
+              <a:t>1/28/2025</a:t>
             </a:fld>
             <a:endParaRPr lang="en-US"/>
           </a:p>
@@ -7394,7 +7465,7 @@
           <a:p>
             <a:fld id="{7DE15A1A-83D7-4FA6-86BC-A83A83CD79DC}" type="datetimeFigureOut">
               <a:rPr lang="en-US" smtClean="0"/>
-              <a:t>1/17/2025</a:t>
+              <a:t>1/28/2025</a:t>
             </a:fld>
             <a:endParaRPr lang="en-US"/>
           </a:p>
@@ -8124,6 +8195,562 @@
       </p:grpSpPr>
       <p:sp>
         <p:nvSpPr>
+          <p:cNvPr id="2" name="Rectangle 1">
+            <a:extLst>
+              <a:ext uri="{FF2B5EF4-FFF2-40B4-BE49-F238E27FC236}">
+                <a16:creationId xmlns:a16="http://schemas.microsoft.com/office/drawing/2014/main" id="{139F1CFB-225A-0BCD-56BD-38F12657E465}"/>
+              </a:ext>
+            </a:extLst>
+          </p:cNvPr>
+          <p:cNvSpPr>
+            <a:spLocks noChangeArrowheads="1"/>
+          </p:cNvSpPr>
+          <p:nvPr/>
+        </p:nvSpPr>
+        <p:spPr bwMode="auto">
+          <a:xfrm>
+            <a:off x="1804081" y="910218"/>
+            <a:ext cx="9504217" cy="5878532"/>
+          </a:xfrm>
+          <a:prstGeom prst="rect">
+            <a:avLst/>
+          </a:prstGeom>
+          <a:noFill/>
+          <a:ln>
+            <a:noFill/>
+          </a:ln>
+          <a:effectLst/>
+          <a:extLst>
+            <a:ext uri="{909E8E84-426E-40DD-AFC4-6F175D3DCCD1}">
+              <a14:hiddenFill xmlns:a14="http://schemas.microsoft.com/office/drawing/2010/main">
+                <a:solidFill>
+                  <a:schemeClr val="accent1"/>
+                </a:solidFill>
+              </a14:hiddenFill>
+            </a:ext>
+            <a:ext uri="{91240B29-F687-4F45-9708-019B960494DF}">
+              <a14:hiddenLine xmlns:a14="http://schemas.microsoft.com/office/drawing/2010/main" w="9525">
+                <a:solidFill>
+                  <a:schemeClr val="tx1"/>
+                </a:solidFill>
+                <a:miter lim="800000"/>
+                <a:headEnd/>
+                <a:tailEnd/>
+              </a14:hiddenLine>
+            </a:ext>
+            <a:ext uri="{AF507438-7753-43E0-B8FC-AC1667EBCBE1}">
+              <a14:hiddenEffects xmlns:a14="http://schemas.microsoft.com/office/drawing/2010/main">
+                <a:effectLst>
+                  <a:outerShdw dist="35921" dir="2700000" algn="ctr" rotWithShape="0">
+                    <a:schemeClr val="bg2"/>
+                  </a:outerShdw>
+                </a:effectLst>
+              </a14:hiddenEffects>
+            </a:ext>
+          </a:extLst>
+        </p:spPr>
+        <p:txBody>
+          <a:bodyPr vert="horz" wrap="square" lIns="91440" tIns="45720" rIns="91440" bIns="45720" numCol="1" anchor="ctr" anchorCtr="0" compatLnSpc="1">
+            <a:prstTxWarp prst="textNoShape">
+              <a:avLst/>
+            </a:prstTxWarp>
+            <a:spAutoFit/>
+          </a:bodyPr>
+          <a:lstStyle/>
+          <a:p>
+            <a:pPr marL="0" marR="0" lvl="0" indent="0" algn="l" defTabSz="914400" rtl="0" eaLnBrk="0" fontAlgn="base" latinLnBrk="0" hangingPunct="0">
+              <a:lnSpc>
+                <a:spcPct val="100000"/>
+              </a:lnSpc>
+              <a:spcBef>
+                <a:spcPct val="0"/>
+              </a:spcBef>
+              <a:spcAft>
+                <a:spcPct val="0"/>
+              </a:spcAft>
+              <a:buClrTx/>
+              <a:buSzTx/>
+              <a:buFontTx/>
+              <a:buNone/>
+              <a:tabLst/>
+            </a:pPr>
+            <a:r>
+              <a:rPr kumimoji="0" lang="en-US" altLang="en-US" sz="2400" b="1" i="0" u="none" strike="noStrike" cap="none" normalizeH="0" baseline="0" dirty="0">
+                <a:ln>
+                  <a:noFill/>
+                </a:ln>
+                <a:solidFill>
+                  <a:schemeClr val="tx1"/>
+                </a:solidFill>
+                <a:effectLst/>
+                <a:latin typeface="Times New Roman" panose="02020603050405020304" pitchFamily="18" charset="0"/>
+                <a:cs typeface="Times New Roman" panose="02020603050405020304" pitchFamily="18" charset="0"/>
+              </a:rPr>
+              <a:t>Gradient Boosting Model Evaluation</a:t>
+            </a:r>
+          </a:p>
+          <a:p>
+            <a:pPr marL="0" marR="0" lvl="0" indent="0" algn="l" defTabSz="914400" rtl="0" eaLnBrk="0" fontAlgn="base" latinLnBrk="0" hangingPunct="0">
+              <a:lnSpc>
+                <a:spcPct val="100000"/>
+              </a:lnSpc>
+              <a:spcBef>
+                <a:spcPct val="0"/>
+              </a:spcBef>
+              <a:spcAft>
+                <a:spcPct val="0"/>
+              </a:spcAft>
+              <a:buClrTx/>
+              <a:buSzTx/>
+              <a:buFontTx/>
+              <a:buNone/>
+              <a:tabLst/>
+            </a:pPr>
+            <a:endParaRPr kumimoji="0" lang="en-US" altLang="en-US" sz="2400" b="1" i="0" u="none" strike="noStrike" cap="none" normalizeH="0" baseline="0" dirty="0">
+              <a:ln>
+                <a:noFill/>
+              </a:ln>
+              <a:solidFill>
+                <a:schemeClr val="tx1"/>
+              </a:solidFill>
+              <a:effectLst/>
+              <a:latin typeface="Times New Roman" panose="02020603050405020304" pitchFamily="18" charset="0"/>
+              <a:cs typeface="Times New Roman" panose="02020603050405020304" pitchFamily="18" charset="0"/>
+            </a:endParaRPr>
+          </a:p>
+          <a:p>
+            <a:pPr marL="0" marR="0" lvl="0" indent="0" algn="l" defTabSz="914400" rtl="0" eaLnBrk="0" fontAlgn="base" latinLnBrk="0" hangingPunct="0">
+              <a:lnSpc>
+                <a:spcPct val="100000"/>
+              </a:lnSpc>
+              <a:spcBef>
+                <a:spcPct val="0"/>
+              </a:spcBef>
+              <a:spcAft>
+                <a:spcPct val="0"/>
+              </a:spcAft>
+              <a:buClrTx/>
+              <a:buSzTx/>
+              <a:buFontTx/>
+              <a:buChar char="•"/>
+              <a:tabLst/>
+            </a:pPr>
+            <a:r>
+              <a:rPr kumimoji="0" lang="en-US" altLang="en-US" sz="2400" b="1" i="0" u="none" strike="noStrike" cap="none" normalizeH="0" baseline="0" dirty="0">
+                <a:ln>
+                  <a:noFill/>
+                </a:ln>
+                <a:solidFill>
+                  <a:schemeClr val="tx1"/>
+                </a:solidFill>
+                <a:effectLst/>
+                <a:latin typeface="Times New Roman" panose="02020603050405020304" pitchFamily="18" charset="0"/>
+                <a:cs typeface="Times New Roman" panose="02020603050405020304" pitchFamily="18" charset="0"/>
+              </a:rPr>
+              <a:t>Performance Metrics</a:t>
+            </a:r>
+            <a:r>
+              <a:rPr lang="en-US" altLang="en-US" sz="2400" dirty="0">
+                <a:latin typeface="Times New Roman" panose="02020603050405020304" pitchFamily="18" charset="0"/>
+                <a:cs typeface="Times New Roman" panose="02020603050405020304" pitchFamily="18" charset="0"/>
+              </a:rPr>
+              <a:t> (GB):</a:t>
+            </a:r>
+            <a:endParaRPr kumimoji="0" lang="en-US" altLang="en-US" sz="2400" b="0" i="0" u="none" strike="noStrike" cap="none" normalizeH="0" baseline="0" dirty="0">
+              <a:ln>
+                <a:noFill/>
+              </a:ln>
+              <a:solidFill>
+                <a:schemeClr val="tx1"/>
+              </a:solidFill>
+              <a:effectLst/>
+              <a:latin typeface="Times New Roman" panose="02020603050405020304" pitchFamily="18" charset="0"/>
+              <a:cs typeface="Times New Roman" panose="02020603050405020304" pitchFamily="18" charset="0"/>
+            </a:endParaRPr>
+          </a:p>
+          <a:p>
+            <a:pPr marL="457200" marR="0" lvl="1" indent="0" algn="l" defTabSz="914400" rtl="0" eaLnBrk="0" fontAlgn="base" latinLnBrk="0" hangingPunct="0">
+              <a:lnSpc>
+                <a:spcPct val="150000"/>
+              </a:lnSpc>
+              <a:spcBef>
+                <a:spcPct val="0"/>
+              </a:spcBef>
+              <a:spcAft>
+                <a:spcPct val="0"/>
+              </a:spcAft>
+              <a:buClrTx/>
+              <a:buSzTx/>
+              <a:buFontTx/>
+              <a:buChar char="•"/>
+              <a:tabLst/>
+            </a:pPr>
+            <a:r>
+              <a:rPr kumimoji="0" lang="en-US" altLang="en-US" sz="2400" b="0" i="0" u="none" strike="noStrike" cap="none" normalizeH="0" baseline="0" dirty="0">
+                <a:ln>
+                  <a:noFill/>
+                </a:ln>
+                <a:solidFill>
+                  <a:schemeClr val="tx1"/>
+                </a:solidFill>
+                <a:effectLst/>
+                <a:latin typeface="Times New Roman" panose="02020603050405020304" pitchFamily="18" charset="0"/>
+                <a:cs typeface="Times New Roman" panose="02020603050405020304" pitchFamily="18" charset="0"/>
+              </a:rPr>
+              <a:t> </a:t>
+            </a:r>
+            <a:r>
+              <a:rPr lang="en-US" sz="2000" dirty="0">
+                <a:latin typeface="Times New Roman" panose="02020603050405020304" pitchFamily="18" charset="0"/>
+                <a:cs typeface="Times New Roman" panose="02020603050405020304" pitchFamily="18" charset="0"/>
+              </a:rPr>
+              <a:t>Accuracy: 87.13% </a:t>
+            </a:r>
+          </a:p>
+          <a:p>
+            <a:pPr marL="457200" marR="0" lvl="1" indent="0" algn="l" defTabSz="914400" rtl="0" eaLnBrk="0" fontAlgn="base" latinLnBrk="0" hangingPunct="0">
+              <a:lnSpc>
+                <a:spcPct val="150000"/>
+              </a:lnSpc>
+              <a:spcBef>
+                <a:spcPct val="0"/>
+              </a:spcBef>
+              <a:spcAft>
+                <a:spcPct val="0"/>
+              </a:spcAft>
+              <a:buClrTx/>
+              <a:buSzTx/>
+              <a:buFontTx/>
+              <a:buChar char="•"/>
+              <a:tabLst/>
+            </a:pPr>
+            <a:r>
+              <a:rPr lang="en-US" sz="2000" dirty="0">
+                <a:latin typeface="Times New Roman" panose="02020603050405020304" pitchFamily="18" charset="0"/>
+                <a:cs typeface="Times New Roman" panose="02020603050405020304" pitchFamily="18" charset="0"/>
+              </a:rPr>
+              <a:t> Precision: 76.46% </a:t>
+            </a:r>
+          </a:p>
+          <a:p>
+            <a:pPr marL="457200" marR="0" lvl="1" indent="0" algn="l" defTabSz="914400" rtl="0" eaLnBrk="0" fontAlgn="base" latinLnBrk="0" hangingPunct="0">
+              <a:lnSpc>
+                <a:spcPct val="150000"/>
+              </a:lnSpc>
+              <a:spcBef>
+                <a:spcPct val="0"/>
+              </a:spcBef>
+              <a:spcAft>
+                <a:spcPct val="0"/>
+              </a:spcAft>
+              <a:buClrTx/>
+              <a:buSzTx/>
+              <a:tabLst/>
+            </a:pPr>
+            <a:r>
+              <a:rPr lang="en-US" sz="2000" dirty="0">
+                <a:latin typeface="Times New Roman" panose="02020603050405020304" pitchFamily="18" charset="0"/>
+                <a:cs typeface="Times New Roman" panose="02020603050405020304" pitchFamily="18" charset="0"/>
+              </a:rPr>
+              <a:t>• Recall: 87.13% </a:t>
+            </a:r>
+          </a:p>
+          <a:p>
+            <a:pPr marL="457200" marR="0" lvl="1" indent="0" algn="l" defTabSz="914400" rtl="0" eaLnBrk="0" fontAlgn="base" latinLnBrk="0" hangingPunct="0">
+              <a:lnSpc>
+                <a:spcPct val="150000"/>
+              </a:lnSpc>
+              <a:spcBef>
+                <a:spcPct val="0"/>
+              </a:spcBef>
+              <a:spcAft>
+                <a:spcPct val="0"/>
+              </a:spcAft>
+              <a:buClrTx/>
+              <a:buSzTx/>
+              <a:tabLst/>
+            </a:pPr>
+            <a:r>
+              <a:rPr lang="en-US" sz="2000" dirty="0">
+                <a:latin typeface="Times New Roman" panose="02020603050405020304" pitchFamily="18" charset="0"/>
+                <a:cs typeface="Times New Roman" panose="02020603050405020304" pitchFamily="18" charset="0"/>
+              </a:rPr>
+              <a:t>• F1 Score: 81.44%</a:t>
+            </a:r>
+            <a:endParaRPr kumimoji="0" lang="en-US" altLang="en-US" sz="2000" b="0" i="0" u="none" strike="noStrike" cap="none" normalizeH="0" baseline="0" dirty="0">
+              <a:ln>
+                <a:noFill/>
+              </a:ln>
+              <a:solidFill>
+                <a:schemeClr val="tx1"/>
+              </a:solidFill>
+              <a:effectLst/>
+              <a:latin typeface="Times New Roman" panose="02020603050405020304" pitchFamily="18" charset="0"/>
+              <a:cs typeface="Times New Roman" panose="02020603050405020304" pitchFamily="18" charset="0"/>
+            </a:endParaRPr>
+          </a:p>
+          <a:p>
+            <a:pPr marL="457200" marR="0" lvl="1" indent="0" algn="l" defTabSz="914400" rtl="0" eaLnBrk="0" fontAlgn="base" latinLnBrk="0" hangingPunct="0">
+              <a:lnSpc>
+                <a:spcPct val="100000"/>
+              </a:lnSpc>
+              <a:spcBef>
+                <a:spcPct val="0"/>
+              </a:spcBef>
+              <a:spcAft>
+                <a:spcPct val="0"/>
+              </a:spcAft>
+              <a:buClrTx/>
+              <a:buSzTx/>
+              <a:tabLst/>
+            </a:pPr>
+            <a:endParaRPr kumimoji="0" lang="en-US" altLang="en-US" sz="2400" b="0" i="0" u="none" strike="noStrike" cap="none" normalizeH="0" baseline="0" dirty="0">
+              <a:ln>
+                <a:noFill/>
+              </a:ln>
+              <a:solidFill>
+                <a:schemeClr val="tx1"/>
+              </a:solidFill>
+              <a:effectLst/>
+              <a:latin typeface="Times New Roman" panose="02020603050405020304" pitchFamily="18" charset="0"/>
+              <a:cs typeface="Times New Roman" panose="02020603050405020304" pitchFamily="18" charset="0"/>
+            </a:endParaRPr>
+          </a:p>
+          <a:p>
+            <a:pPr marL="0" marR="0" lvl="0" indent="0" algn="l" defTabSz="914400" rtl="0" eaLnBrk="0" fontAlgn="base" latinLnBrk="0" hangingPunct="0">
+              <a:lnSpc>
+                <a:spcPct val="100000"/>
+              </a:lnSpc>
+              <a:spcBef>
+                <a:spcPct val="0"/>
+              </a:spcBef>
+              <a:spcAft>
+                <a:spcPct val="0"/>
+              </a:spcAft>
+              <a:buClrTx/>
+              <a:buSzTx/>
+              <a:buFontTx/>
+              <a:buChar char="•"/>
+              <a:tabLst/>
+            </a:pPr>
+            <a:r>
+              <a:rPr kumimoji="0" lang="en-US" altLang="en-US" sz="2400" b="1" i="0" u="none" strike="noStrike" cap="none" normalizeH="0" baseline="0" dirty="0">
+                <a:ln>
+                  <a:noFill/>
+                </a:ln>
+                <a:solidFill>
+                  <a:schemeClr val="tx1"/>
+                </a:solidFill>
+                <a:effectLst/>
+                <a:latin typeface="Times New Roman" panose="02020603050405020304" pitchFamily="18" charset="0"/>
+                <a:cs typeface="Times New Roman" panose="02020603050405020304" pitchFamily="18" charset="0"/>
+              </a:rPr>
+              <a:t>Key Observations</a:t>
+            </a:r>
+            <a:r>
+              <a:rPr kumimoji="0" lang="en-US" altLang="en-US" sz="2400" b="0" i="0" u="none" strike="noStrike" cap="none" normalizeH="0" baseline="0" dirty="0">
+                <a:ln>
+                  <a:noFill/>
+                </a:ln>
+                <a:solidFill>
+                  <a:schemeClr val="tx1"/>
+                </a:solidFill>
+                <a:effectLst/>
+                <a:latin typeface="Times New Roman" panose="02020603050405020304" pitchFamily="18" charset="0"/>
+                <a:cs typeface="Times New Roman" panose="02020603050405020304" pitchFamily="18" charset="0"/>
+              </a:rPr>
+              <a:t>:</a:t>
+            </a:r>
+          </a:p>
+          <a:p>
+            <a:pPr marL="457200" marR="0" lvl="1" indent="0" algn="l" defTabSz="914400" rtl="0" eaLnBrk="0" fontAlgn="base" latinLnBrk="0" hangingPunct="0">
+              <a:lnSpc>
+                <a:spcPct val="150000"/>
+              </a:lnSpc>
+              <a:spcBef>
+                <a:spcPct val="0"/>
+              </a:spcBef>
+              <a:spcAft>
+                <a:spcPct val="0"/>
+              </a:spcAft>
+              <a:buClrTx/>
+              <a:buSzTx/>
+              <a:buFontTx/>
+              <a:buChar char="•"/>
+              <a:tabLst/>
+            </a:pPr>
+            <a:r>
+              <a:rPr lang="en-US" altLang="en-US" sz="2200" dirty="0">
+                <a:latin typeface="Times New Roman" panose="02020603050405020304" pitchFamily="18" charset="0"/>
+                <a:cs typeface="Times New Roman" panose="02020603050405020304" pitchFamily="18" charset="0"/>
+              </a:rPr>
+              <a:t>Gradient Boosting </a:t>
+            </a:r>
+            <a:r>
+              <a:rPr kumimoji="0" lang="en-US" altLang="en-US" sz="2200" b="0" i="0" u="none" strike="noStrike" cap="none" normalizeH="0" baseline="0" dirty="0">
+                <a:ln>
+                  <a:noFill/>
+                </a:ln>
+                <a:solidFill>
+                  <a:schemeClr val="tx1"/>
+                </a:solidFill>
+                <a:effectLst/>
+                <a:latin typeface="Times New Roman" panose="02020603050405020304" pitchFamily="18" charset="0"/>
+                <a:cs typeface="Times New Roman" panose="02020603050405020304" pitchFamily="18" charset="0"/>
+              </a:rPr>
+              <a:t>outperformed other models.</a:t>
+            </a:r>
+          </a:p>
+          <a:p>
+            <a:pPr marL="457200" marR="0" lvl="1" indent="0" algn="l" defTabSz="914400" rtl="0" eaLnBrk="0" fontAlgn="base" latinLnBrk="0" hangingPunct="0">
+              <a:lnSpc>
+                <a:spcPct val="150000"/>
+              </a:lnSpc>
+              <a:spcBef>
+                <a:spcPct val="0"/>
+              </a:spcBef>
+              <a:spcAft>
+                <a:spcPct val="0"/>
+              </a:spcAft>
+              <a:buClrTx/>
+              <a:buSzTx/>
+              <a:buFontTx/>
+              <a:buChar char="•"/>
+              <a:tabLst/>
+            </a:pPr>
+            <a:r>
+              <a:rPr kumimoji="0" lang="en-US" altLang="en-US" sz="2200" b="0" i="0" u="none" strike="noStrike" cap="none" normalizeH="0" baseline="0" dirty="0">
+                <a:ln>
+                  <a:noFill/>
+                </a:ln>
+                <a:solidFill>
+                  <a:schemeClr val="tx1"/>
+                </a:solidFill>
+                <a:effectLst/>
+                <a:latin typeface="Times New Roman" panose="02020603050405020304" pitchFamily="18" charset="0"/>
+                <a:cs typeface="Times New Roman" panose="02020603050405020304" pitchFamily="18" charset="0"/>
+              </a:rPr>
+              <a:t>High accuracy in predicting crash occurrences and severity.</a:t>
+            </a:r>
+          </a:p>
+          <a:p>
+            <a:pPr marL="457200" marR="0" lvl="1" indent="0" algn="l" defTabSz="914400" rtl="0" eaLnBrk="0" fontAlgn="base" latinLnBrk="0" hangingPunct="0">
+              <a:lnSpc>
+                <a:spcPct val="100000"/>
+              </a:lnSpc>
+              <a:spcBef>
+                <a:spcPct val="0"/>
+              </a:spcBef>
+              <a:spcAft>
+                <a:spcPct val="0"/>
+              </a:spcAft>
+              <a:buClrTx/>
+              <a:buSzTx/>
+              <a:buFontTx/>
+              <a:buChar char="•"/>
+              <a:tabLst/>
+            </a:pPr>
+            <a:endParaRPr kumimoji="0" lang="en-US" altLang="en-US" sz="2200" b="0" i="0" u="none" strike="noStrike" cap="none" normalizeH="0" baseline="0" dirty="0">
+              <a:ln>
+                <a:noFill/>
+              </a:ln>
+              <a:solidFill>
+                <a:schemeClr val="tx1"/>
+              </a:solidFill>
+              <a:effectLst/>
+              <a:latin typeface="Times New Roman" panose="02020603050405020304" pitchFamily="18" charset="0"/>
+              <a:cs typeface="Times New Roman" panose="02020603050405020304" pitchFamily="18" charset="0"/>
+            </a:endParaRPr>
+          </a:p>
+          <a:p>
+            <a:pPr marL="0" marR="0" lvl="0" indent="0" algn="l" defTabSz="914400" rtl="0" eaLnBrk="0" fontAlgn="base" latinLnBrk="0" hangingPunct="0">
+              <a:lnSpc>
+                <a:spcPct val="100000"/>
+              </a:lnSpc>
+              <a:spcBef>
+                <a:spcPct val="0"/>
+              </a:spcBef>
+              <a:spcAft>
+                <a:spcPct val="0"/>
+              </a:spcAft>
+              <a:buClrTx/>
+              <a:buSzTx/>
+              <a:tabLst/>
+            </a:pPr>
+            <a:endParaRPr kumimoji="0" lang="en-US" altLang="en-US" sz="2400" b="0" i="0" u="none" strike="noStrike" cap="none" normalizeH="0" baseline="0" dirty="0">
+              <a:ln>
+                <a:noFill/>
+              </a:ln>
+              <a:solidFill>
+                <a:schemeClr val="tx1"/>
+              </a:solidFill>
+              <a:effectLst/>
+              <a:latin typeface="Times New Roman" panose="02020603050405020304" pitchFamily="18" charset="0"/>
+              <a:cs typeface="Times New Roman" panose="02020603050405020304" pitchFamily="18" charset="0"/>
+            </a:endParaRPr>
+          </a:p>
+          <a:p>
+            <a:pPr marL="0" marR="0" lvl="0" indent="0" algn="l" defTabSz="914400" rtl="0" eaLnBrk="0" fontAlgn="base" latinLnBrk="0" hangingPunct="0">
+              <a:lnSpc>
+                <a:spcPct val="100000"/>
+              </a:lnSpc>
+              <a:spcBef>
+                <a:spcPct val="0"/>
+              </a:spcBef>
+              <a:spcAft>
+                <a:spcPct val="0"/>
+              </a:spcAft>
+              <a:buClrTx/>
+              <a:buSzTx/>
+              <a:buFontTx/>
+              <a:buNone/>
+              <a:tabLst/>
+            </a:pPr>
+            <a:endParaRPr kumimoji="0" lang="en-US" altLang="en-US" sz="1800" b="0" i="0" u="none" strike="noStrike" cap="none" normalizeH="0" baseline="0" dirty="0">
+              <a:ln>
+                <a:noFill/>
+              </a:ln>
+              <a:solidFill>
+                <a:schemeClr val="tx1"/>
+              </a:solidFill>
+              <a:effectLst/>
+              <a:latin typeface="Arial" panose="020B0604020202020204" pitchFamily="34" charset="0"/>
+            </a:endParaRPr>
+          </a:p>
+        </p:txBody>
+      </p:sp>
+    </p:spTree>
+    <p:extLst>
+      <p:ext uri="{BB962C8B-B14F-4D97-AF65-F5344CB8AC3E}">
+        <p14:creationId xmlns:p14="http://schemas.microsoft.com/office/powerpoint/2010/main" val="3916930139"/>
+      </p:ext>
+    </p:extLst>
+  </p:cSld>
+  <p:clrMapOvr>
+    <a:masterClrMapping/>
+  </p:clrMapOvr>
+</p:sld>
+</file>
+
+<file path=ppt/slides/slide11.xml><?xml version="1.0" encoding="utf-8"?>
+<p:sld xmlns:a="http://schemas.openxmlformats.org/drawingml/2006/main" xmlns:r="http://schemas.openxmlformats.org/officeDocument/2006/relationships" xmlns:p="http://schemas.openxmlformats.org/presentationml/2006/main">
+  <p:cSld>
+    <p:spTree>
+      <p:nvGrpSpPr>
+        <p:cNvPr id="1" name=""/>
+        <p:cNvGrpSpPr/>
+        <p:nvPr/>
+      </p:nvGrpSpPr>
+      <p:grpSpPr>
+        <a:xfrm>
+          <a:off x="0" y="0"/>
+          <a:ext cx="0" cy="0"/>
+          <a:chOff x="0" y="0"/>
+          <a:chExt cx="0" cy="0"/>
+        </a:xfrm>
+      </p:grpSpPr>
+      <p:sp>
+        <p:nvSpPr>
           <p:cNvPr id="3" name="TextBox 2">
             <a:extLst>
               <a:ext uri="{FF2B5EF4-FFF2-40B4-BE49-F238E27FC236}">
@@ -8137,7 +8764,7 @@
         <p:spPr>
           <a:xfrm>
             <a:off x="1882588" y="1418256"/>
-            <a:ext cx="8731624" cy="3785652"/>
+            <a:ext cx="8731624" cy="830997"/>
           </a:xfrm>
           <a:prstGeom prst="rect">
             <a:avLst/>
@@ -8150,96 +8777,7 @@
           </a:bodyPr>
           <a:lstStyle/>
           <a:p>
-            <a:r>
-              <a:rPr lang="en-US" sz="2400" b="1" dirty="0">
-                <a:latin typeface="Times New Roman" panose="02020603050405020304" pitchFamily="18" charset="0"/>
-                <a:cs typeface="Times New Roman" panose="02020603050405020304" pitchFamily="18" charset="0"/>
-              </a:rPr>
-              <a:t>Use Case: Road Safety Interventions</a:t>
-            </a:r>
-          </a:p>
-          <a:p>
-            <a:endParaRPr lang="en-US" sz="2400" b="1" dirty="0">
-              <a:latin typeface="Times New Roman" panose="02020603050405020304" pitchFamily="18" charset="0"/>
-              <a:cs typeface="Times New Roman" panose="02020603050405020304" pitchFamily="18" charset="0"/>
-            </a:endParaRPr>
-          </a:p>
-          <a:p>
-            <a:pPr>
-              <a:lnSpc>
-                <a:spcPct val="150000"/>
-              </a:lnSpc>
-              <a:buFont typeface="Arial" panose="020B0604020202020204" pitchFamily="34" charset="0"/>
-              <a:buChar char="•"/>
-            </a:pPr>
-            <a:r>
-              <a:rPr lang="en-US" sz="2400" b="1" dirty="0">
-                <a:latin typeface="Times New Roman" panose="02020603050405020304" pitchFamily="18" charset="0"/>
-                <a:cs typeface="Times New Roman" panose="02020603050405020304" pitchFamily="18" charset="0"/>
-              </a:rPr>
-              <a:t>Applications</a:t>
-            </a:r>
-            <a:r>
-              <a:rPr lang="en-US" sz="2400" dirty="0">
-                <a:latin typeface="Times New Roman" panose="02020603050405020304" pitchFamily="18" charset="0"/>
-                <a:cs typeface="Times New Roman" panose="02020603050405020304" pitchFamily="18" charset="0"/>
-              </a:rPr>
-              <a:t>:</a:t>
-            </a:r>
-          </a:p>
-          <a:p>
-            <a:pPr marL="742950" lvl="1" indent="-285750">
-              <a:lnSpc>
-                <a:spcPct val="150000"/>
-              </a:lnSpc>
-              <a:buFont typeface="Arial" panose="020B0604020202020204" pitchFamily="34" charset="0"/>
-              <a:buChar char="•"/>
-            </a:pPr>
-            <a:r>
-              <a:rPr lang="en-US" sz="2400" dirty="0">
-                <a:latin typeface="Times New Roman" panose="02020603050405020304" pitchFamily="18" charset="0"/>
-                <a:cs typeface="Times New Roman" panose="02020603050405020304" pitchFamily="18" charset="0"/>
-              </a:rPr>
-              <a:t>Prioritize road safety measures during high-risk months.</a:t>
-            </a:r>
-          </a:p>
-          <a:p>
-            <a:pPr marL="742950" lvl="1" indent="-285750">
-              <a:lnSpc>
-                <a:spcPct val="150000"/>
-              </a:lnSpc>
-              <a:buFont typeface="Arial" panose="020B0604020202020204" pitchFamily="34" charset="0"/>
-              <a:buChar char="•"/>
-            </a:pPr>
-            <a:r>
-              <a:rPr lang="en-US" sz="2400" dirty="0">
-                <a:latin typeface="Times New Roman" panose="02020603050405020304" pitchFamily="18" charset="0"/>
-                <a:cs typeface="Times New Roman" panose="02020603050405020304" pitchFamily="18" charset="0"/>
-              </a:rPr>
-              <a:t>Adjust speed limits on accident-prone roads.</a:t>
-            </a:r>
-          </a:p>
-          <a:p>
-            <a:pPr marL="742950" lvl="1" indent="-285750">
-              <a:lnSpc>
-                <a:spcPct val="150000"/>
-              </a:lnSpc>
-              <a:buFont typeface="Arial" panose="020B0604020202020204" pitchFamily="34" charset="0"/>
-              <a:buChar char="•"/>
-            </a:pPr>
-            <a:r>
-              <a:rPr lang="en-US" sz="2400" dirty="0">
-                <a:latin typeface="Times New Roman" panose="02020603050405020304" pitchFamily="18" charset="0"/>
-                <a:cs typeface="Times New Roman" panose="02020603050405020304" pitchFamily="18" charset="0"/>
-              </a:rPr>
-              <a:t>Deploy resources in hazardous weather conditions.</a:t>
-            </a:r>
-          </a:p>
-          <a:p>
-            <a:pPr marL="742950" lvl="1" indent="-285750">
-              <a:buFont typeface="Arial" panose="020B0604020202020204" pitchFamily="34" charset="0"/>
-              <a:buChar char="•"/>
-            </a:pPr>
+            <a:pPr lvl="1"/>
             <a:endParaRPr lang="en-US" sz="2400" dirty="0">
               <a:latin typeface="Times New Roman" panose="02020603050405020304" pitchFamily="18" charset="0"/>
               <a:cs typeface="Times New Roman" panose="02020603050405020304" pitchFamily="18" charset="0"/>
@@ -8253,6 +8791,47 @@
           </a:p>
         </p:txBody>
       </p:sp>
+      <p:pic>
+        <p:nvPicPr>
+          <p:cNvPr id="2" name="Picture 1" descr="Output image">
+            <a:extLst>
+              <a:ext uri="{FF2B5EF4-FFF2-40B4-BE49-F238E27FC236}">
+                <a16:creationId xmlns:a16="http://schemas.microsoft.com/office/drawing/2014/main" id="{AEC1DC5F-7D4F-ADB7-F3C4-7AA84D9DE61D}"/>
+              </a:ext>
+            </a:extLst>
+          </p:cNvPr>
+          <p:cNvPicPr>
+            <a:picLocks noChangeAspect="1"/>
+          </p:cNvPicPr>
+          <p:nvPr/>
+        </p:nvPicPr>
+        <p:blipFill>
+          <a:blip r:embed="rId2" cstate="print">
+            <a:extLst>
+              <a:ext uri="{28A0092B-C50C-407E-A947-70E740481C1C}">
+                <a14:useLocalDpi xmlns:a14="http://schemas.microsoft.com/office/drawing/2010/main" val="0"/>
+              </a:ext>
+            </a:extLst>
+          </a:blip>
+          <a:srcRect/>
+          <a:stretch>
+            <a:fillRect/>
+          </a:stretch>
+        </p:blipFill>
+        <p:spPr bwMode="auto">
+          <a:xfrm>
+            <a:off x="2070847" y="475129"/>
+            <a:ext cx="8731624" cy="5889812"/>
+          </a:xfrm>
+          <a:prstGeom prst="rect">
+            <a:avLst/>
+          </a:prstGeom>
+          <a:noFill/>
+          <a:ln>
+            <a:noFill/>
+          </a:ln>
+        </p:spPr>
+      </p:pic>
     </p:spTree>
     <p:extLst>
       <p:ext uri="{BB962C8B-B14F-4D97-AF65-F5344CB8AC3E}">
@@ -8266,7 +8845,149 @@
 </p:sld>
 </file>
 
-<file path=ppt/slides/slide11.xml><?xml version="1.0" encoding="utf-8"?>
+<file path=ppt/slides/slide12.xml><?xml version="1.0" encoding="utf-8"?>
+<p:sld xmlns:a="http://schemas.openxmlformats.org/drawingml/2006/main" xmlns:r="http://schemas.openxmlformats.org/officeDocument/2006/relationships" xmlns:p="http://schemas.openxmlformats.org/presentationml/2006/main">
+  <p:cSld>
+    <p:spTree>
+      <p:nvGrpSpPr>
+        <p:cNvPr id="1" name=""/>
+        <p:cNvGrpSpPr/>
+        <p:nvPr/>
+      </p:nvGrpSpPr>
+      <p:grpSpPr>
+        <a:xfrm>
+          <a:off x="0" y="0"/>
+          <a:ext cx="0" cy="0"/>
+          <a:chOff x="0" y="0"/>
+          <a:chExt cx="0" cy="0"/>
+        </a:xfrm>
+      </p:grpSpPr>
+      <p:pic>
+        <p:nvPicPr>
+          <p:cNvPr id="2" name="Picture 1" descr="Output image">
+            <a:extLst>
+              <a:ext uri="{FF2B5EF4-FFF2-40B4-BE49-F238E27FC236}">
+                <a16:creationId xmlns:a16="http://schemas.microsoft.com/office/drawing/2014/main" id="{1375B025-1F7B-B220-8673-5D8398205665}"/>
+              </a:ext>
+            </a:extLst>
+          </p:cNvPr>
+          <p:cNvPicPr>
+            <a:picLocks noChangeAspect="1"/>
+          </p:cNvPicPr>
+          <p:nvPr/>
+        </p:nvPicPr>
+        <p:blipFill>
+          <a:blip r:embed="rId2" cstate="print">
+            <a:extLst>
+              <a:ext uri="{28A0092B-C50C-407E-A947-70E740481C1C}">
+                <a14:useLocalDpi xmlns:a14="http://schemas.microsoft.com/office/drawing/2010/main" val="0"/>
+              </a:ext>
+            </a:extLst>
+          </a:blip>
+          <a:srcRect/>
+          <a:stretch>
+            <a:fillRect/>
+          </a:stretch>
+        </p:blipFill>
+        <p:spPr bwMode="auto">
+          <a:xfrm>
+            <a:off x="1990165" y="618565"/>
+            <a:ext cx="8731623" cy="5710517"/>
+          </a:xfrm>
+          <a:prstGeom prst="rect">
+            <a:avLst/>
+          </a:prstGeom>
+          <a:noFill/>
+          <a:ln>
+            <a:noFill/>
+          </a:ln>
+        </p:spPr>
+      </p:pic>
+    </p:spTree>
+    <p:extLst>
+      <p:ext uri="{BB962C8B-B14F-4D97-AF65-F5344CB8AC3E}">
+        <p14:creationId xmlns:p14="http://schemas.microsoft.com/office/powerpoint/2010/main" val="2238600581"/>
+      </p:ext>
+    </p:extLst>
+  </p:cSld>
+  <p:clrMapOvr>
+    <a:masterClrMapping/>
+  </p:clrMapOvr>
+</p:sld>
+</file>
+
+<file path=ppt/slides/slide13.xml><?xml version="1.0" encoding="utf-8"?>
+<p:sld xmlns:a="http://schemas.openxmlformats.org/drawingml/2006/main" xmlns:r="http://schemas.openxmlformats.org/officeDocument/2006/relationships" xmlns:p="http://schemas.openxmlformats.org/presentationml/2006/main">
+  <p:cSld>
+    <p:spTree>
+      <p:nvGrpSpPr>
+        <p:cNvPr id="1" name=""/>
+        <p:cNvGrpSpPr/>
+        <p:nvPr/>
+      </p:nvGrpSpPr>
+      <p:grpSpPr>
+        <a:xfrm>
+          <a:off x="0" y="0"/>
+          <a:ext cx="0" cy="0"/>
+          <a:chOff x="0" y="0"/>
+          <a:chExt cx="0" cy="0"/>
+        </a:xfrm>
+      </p:grpSpPr>
+      <p:pic>
+        <p:nvPicPr>
+          <p:cNvPr id="2" name="Picture 1" descr="Output image">
+            <a:extLst>
+              <a:ext uri="{FF2B5EF4-FFF2-40B4-BE49-F238E27FC236}">
+                <a16:creationId xmlns:a16="http://schemas.microsoft.com/office/drawing/2014/main" id="{F2D8418E-5E24-F32A-A87A-965ABB152C06}"/>
+              </a:ext>
+            </a:extLst>
+          </p:cNvPr>
+          <p:cNvPicPr>
+            <a:picLocks noChangeAspect="1"/>
+          </p:cNvPicPr>
+          <p:nvPr/>
+        </p:nvPicPr>
+        <p:blipFill>
+          <a:blip r:embed="rId2" cstate="print">
+            <a:extLst>
+              <a:ext uri="{28A0092B-C50C-407E-A947-70E740481C1C}">
+                <a14:useLocalDpi xmlns:a14="http://schemas.microsoft.com/office/drawing/2010/main" val="0"/>
+              </a:ext>
+            </a:extLst>
+          </a:blip>
+          <a:srcRect/>
+          <a:stretch>
+            <a:fillRect/>
+          </a:stretch>
+        </p:blipFill>
+        <p:spPr bwMode="auto">
+          <a:xfrm>
+            <a:off x="2017059" y="779930"/>
+            <a:ext cx="8480612" cy="5414682"/>
+          </a:xfrm>
+          <a:prstGeom prst="rect">
+            <a:avLst/>
+          </a:prstGeom>
+          <a:noFill/>
+          <a:ln>
+            <a:noFill/>
+          </a:ln>
+        </p:spPr>
+      </p:pic>
+    </p:spTree>
+    <p:extLst>
+      <p:ext uri="{BB962C8B-B14F-4D97-AF65-F5344CB8AC3E}">
+        <p14:creationId xmlns:p14="http://schemas.microsoft.com/office/powerpoint/2010/main" val="2285879828"/>
+      </p:ext>
+    </p:extLst>
+  </p:cSld>
+  <p:clrMapOvr>
+    <a:masterClrMapping/>
+  </p:clrMapOvr>
+</p:sld>
+</file>
+
+<file path=ppt/slides/slide14.xml><?xml version="1.0" encoding="utf-8"?>
 <p:sld xmlns:a="http://schemas.openxmlformats.org/drawingml/2006/main" xmlns:r="http://schemas.openxmlformats.org/officeDocument/2006/relationships" xmlns:p="http://schemas.openxmlformats.org/presentationml/2006/main">
   <p:cSld>
     <p:spTree>
@@ -8424,168 +9145,7 @@
 </p:sld>
 </file>
 
-<file path=ppt/slides/slide12.xml><?xml version="1.0" encoding="utf-8"?>
-<p:sld xmlns:a="http://schemas.openxmlformats.org/drawingml/2006/main" xmlns:r="http://schemas.openxmlformats.org/officeDocument/2006/relationships" xmlns:p="http://schemas.openxmlformats.org/presentationml/2006/main">
-  <p:cSld>
-    <p:spTree>
-      <p:nvGrpSpPr>
-        <p:cNvPr id="1" name=""/>
-        <p:cNvGrpSpPr/>
-        <p:nvPr/>
-      </p:nvGrpSpPr>
-      <p:grpSpPr>
-        <a:xfrm>
-          <a:off x="0" y="0"/>
-          <a:ext cx="0" cy="0"/>
-          <a:chOff x="0" y="0"/>
-          <a:chExt cx="0" cy="0"/>
-        </a:xfrm>
-      </p:grpSpPr>
-      <p:sp>
-        <p:nvSpPr>
-          <p:cNvPr id="3" name="TextBox 2">
-            <a:extLst>
-              <a:ext uri="{FF2B5EF4-FFF2-40B4-BE49-F238E27FC236}">
-                <a16:creationId xmlns:a16="http://schemas.microsoft.com/office/drawing/2014/main" id="{4044F712-D70E-FA2B-DA27-AE9E170D5D6D}"/>
-              </a:ext>
-            </a:extLst>
-          </p:cNvPr>
-          <p:cNvSpPr txBox="1"/>
-          <p:nvPr/>
-        </p:nvSpPr>
-        <p:spPr>
-          <a:xfrm>
-            <a:off x="2043953" y="1694329"/>
-            <a:ext cx="8722658" cy="4339650"/>
-          </a:xfrm>
-          <a:prstGeom prst="rect">
-            <a:avLst/>
-          </a:prstGeom>
-          <a:noFill/>
-        </p:spPr>
-        <p:txBody>
-          <a:bodyPr wrap="square">
-            <a:spAutoFit/>
-          </a:bodyPr>
-          <a:lstStyle/>
-          <a:p>
-            <a:r>
-              <a:rPr lang="en-US" sz="2400" b="1" dirty="0">
-                <a:latin typeface="Times New Roman" panose="02020603050405020304" pitchFamily="18" charset="0"/>
-                <a:cs typeface="Times New Roman" panose="02020603050405020304" pitchFamily="18" charset="0"/>
-              </a:rPr>
-              <a:t>Future Work</a:t>
-            </a:r>
-          </a:p>
-          <a:p>
-            <a:endParaRPr lang="en-US" sz="2400" b="1" dirty="0">
-              <a:latin typeface="Times New Roman" panose="02020603050405020304" pitchFamily="18" charset="0"/>
-              <a:cs typeface="Times New Roman" panose="02020603050405020304" pitchFamily="18" charset="0"/>
-            </a:endParaRPr>
-          </a:p>
-          <a:p>
-            <a:pPr>
-              <a:lnSpc>
-                <a:spcPct val="150000"/>
-              </a:lnSpc>
-              <a:buFont typeface="Arial" panose="020B0604020202020204" pitchFamily="34" charset="0"/>
-              <a:buChar char="•"/>
-            </a:pPr>
-            <a:r>
-              <a:rPr lang="en-US" sz="2400" b="1" dirty="0">
-                <a:latin typeface="Times New Roman" panose="02020603050405020304" pitchFamily="18" charset="0"/>
-                <a:cs typeface="Times New Roman" panose="02020603050405020304" pitchFamily="18" charset="0"/>
-              </a:rPr>
-              <a:t>Improvements</a:t>
-            </a:r>
-            <a:r>
-              <a:rPr lang="en-US" sz="2400" dirty="0">
-                <a:latin typeface="Times New Roman" panose="02020603050405020304" pitchFamily="18" charset="0"/>
-                <a:cs typeface="Times New Roman" panose="02020603050405020304" pitchFamily="18" charset="0"/>
-              </a:rPr>
-              <a:t>:</a:t>
-            </a:r>
-          </a:p>
-          <a:p>
-            <a:pPr marL="742950" lvl="1" indent="-285750">
-              <a:lnSpc>
-                <a:spcPct val="150000"/>
-              </a:lnSpc>
-              <a:buFont typeface="Arial" panose="020B0604020202020204" pitchFamily="34" charset="0"/>
-              <a:buChar char="•"/>
-            </a:pPr>
-            <a:r>
-              <a:rPr lang="en-US" sz="2400" dirty="0">
-                <a:latin typeface="Times New Roman" panose="02020603050405020304" pitchFamily="18" charset="0"/>
-                <a:cs typeface="Times New Roman" panose="02020603050405020304" pitchFamily="18" charset="0"/>
-              </a:rPr>
-              <a:t>Include real-time traffic data.</a:t>
-            </a:r>
-          </a:p>
-          <a:p>
-            <a:pPr marL="742950" lvl="1" indent="-285750">
-              <a:lnSpc>
-                <a:spcPct val="150000"/>
-              </a:lnSpc>
-              <a:buFont typeface="Arial" panose="020B0604020202020204" pitchFamily="34" charset="0"/>
-              <a:buChar char="•"/>
-            </a:pPr>
-            <a:r>
-              <a:rPr lang="en-US" sz="2400" dirty="0">
-                <a:latin typeface="Times New Roman" panose="02020603050405020304" pitchFamily="18" charset="0"/>
-                <a:cs typeface="Times New Roman" panose="02020603050405020304" pitchFamily="18" charset="0"/>
-              </a:rPr>
-              <a:t>Use advanced models like Neural Networks for better predictions.</a:t>
-            </a:r>
-          </a:p>
-          <a:p>
-            <a:pPr marL="742950" lvl="1" indent="-285750">
-              <a:lnSpc>
-                <a:spcPct val="150000"/>
-              </a:lnSpc>
-              <a:buFont typeface="Arial" panose="020B0604020202020204" pitchFamily="34" charset="0"/>
-              <a:buChar char="•"/>
-            </a:pPr>
-            <a:r>
-              <a:rPr lang="en-US" sz="2400" dirty="0">
-                <a:latin typeface="Times New Roman" panose="02020603050405020304" pitchFamily="18" charset="0"/>
-                <a:cs typeface="Times New Roman" panose="02020603050405020304" pitchFamily="18" charset="0"/>
-              </a:rPr>
-              <a:t>Analyze pedestrian and vehicle interaction patterns.</a:t>
-            </a:r>
-          </a:p>
-          <a:p>
-            <a:pPr marL="742950" lvl="1" indent="-285750">
-              <a:buFont typeface="Arial" panose="020B0604020202020204" pitchFamily="34" charset="0"/>
-              <a:buChar char="•"/>
-            </a:pPr>
-            <a:endParaRPr lang="en-US" sz="2400" dirty="0">
-              <a:latin typeface="Times New Roman" panose="02020603050405020304" pitchFamily="18" charset="0"/>
-              <a:cs typeface="Times New Roman" panose="02020603050405020304" pitchFamily="18" charset="0"/>
-            </a:endParaRPr>
-          </a:p>
-          <a:p>
-            <a:endParaRPr lang="en-US" dirty="0">
-              <a:latin typeface="Times New Roman" panose="02020603050405020304" pitchFamily="18" charset="0"/>
-              <a:cs typeface="Times New Roman" panose="02020603050405020304" pitchFamily="18" charset="0"/>
-            </a:endParaRPr>
-          </a:p>
-        </p:txBody>
-      </p:sp>
-    </p:spTree>
-    <p:extLst>
-      <p:ext uri="{BB962C8B-B14F-4D97-AF65-F5344CB8AC3E}">
-        <p14:creationId xmlns:p14="http://schemas.microsoft.com/office/powerpoint/2010/main" val="3488717890"/>
-      </p:ext>
-    </p:extLst>
-  </p:cSld>
-  <p:clrMapOvr>
-    <a:masterClrMapping/>
-  </p:clrMapOvr>
-</p:sld>
-</file>
-
-<file path=ppt/slides/slide13.xml><?xml version="1.0" encoding="utf-8"?>
+<file path=ppt/slides/slide15.xml><?xml version="1.0" encoding="utf-8"?>
 <p:sld xmlns:a="http://schemas.openxmlformats.org/drawingml/2006/main" xmlns:r="http://schemas.openxmlformats.org/officeDocument/2006/relationships" xmlns:p="http://schemas.openxmlformats.org/presentationml/2006/main">
   <p:cSld>
     <p:spTree>
@@ -8806,8 +9366,8 @@
         </p:nvSpPr>
         <p:spPr>
           <a:xfrm>
-            <a:off x="1658470" y="1050702"/>
-            <a:ext cx="9054353" cy="5319726"/>
+            <a:off x="1783975" y="665219"/>
+            <a:ext cx="10273554" cy="5847755"/>
           </a:xfrm>
           <a:prstGeom prst="rect">
             <a:avLst/>
@@ -8821,40 +9381,22 @@
           <a:lstStyle/>
           <a:p>
             <a:r>
-              <a:rPr lang="en-US" sz="2800" b="1" dirty="0">
+              <a:rPr lang="en-US" sz="2400" dirty="0"/>
+              <a:t> </a:t>
+            </a:r>
+            <a:r>
+              <a:rPr lang="en-US" sz="2450" b="1" dirty="0">
                 <a:latin typeface="Times New Roman" panose="02020603050405020304" pitchFamily="18" charset="0"/>
                 <a:cs typeface="Times New Roman" panose="02020603050405020304" pitchFamily="18" charset="0"/>
               </a:rPr>
-              <a:t>Introduction:</a:t>
-            </a:r>
-          </a:p>
-          <a:p>
-            <a:endParaRPr lang="en-US" sz="2800" b="1" dirty="0">
-              <a:latin typeface="Times New Roman" panose="02020603050405020304" pitchFamily="18" charset="0"/>
-              <a:cs typeface="Times New Roman" panose="02020603050405020304" pitchFamily="18" charset="0"/>
-            </a:endParaRPr>
-          </a:p>
-          <a:p>
-            <a:pPr marL="342900" indent="-342900">
-              <a:lnSpc>
-                <a:spcPct val="150000"/>
-              </a:lnSpc>
-              <a:buFont typeface="Arial" panose="020B0604020202020204" pitchFamily="34" charset="0"/>
-              <a:buChar char="•"/>
-            </a:pPr>
-            <a:r>
-              <a:rPr lang="en-US" sz="2400" b="1" dirty="0">
-                <a:latin typeface="Times New Roman" panose="02020603050405020304" pitchFamily="18" charset="0"/>
-                <a:cs typeface="Times New Roman" panose="02020603050405020304" pitchFamily="18" charset="0"/>
-              </a:rPr>
-              <a:t>Problem Statement</a:t>
+              <a:t>Problem statement </a:t>
             </a:r>
             <a:r>
               <a:rPr lang="en-US" sz="2400" dirty="0">
                 <a:latin typeface="Times New Roman" panose="02020603050405020304" pitchFamily="18" charset="0"/>
                 <a:cs typeface="Times New Roman" panose="02020603050405020304" pitchFamily="18" charset="0"/>
               </a:rPr>
-              <a:t>: Traffic crashes pose significant safety concerns in Chicago from the month of Jan to May 2022.</a:t>
+              <a:t>: </a:t>
             </a:r>
           </a:p>
           <a:p>
@@ -8863,32 +9405,12 @@
                 <a:spcPct val="150000"/>
               </a:lnSpc>
             </a:pPr>
-            <a:endParaRPr lang="en-US" sz="2400" b="1" dirty="0">
-              <a:latin typeface="Times New Roman" panose="02020603050405020304" pitchFamily="18" charset="0"/>
-              <a:cs typeface="Times New Roman" panose="02020603050405020304" pitchFamily="18" charset="0"/>
-            </a:endParaRPr>
-          </a:p>
-          <a:p>
-            <a:pPr marL="342900" indent="-342900">
-              <a:lnSpc>
-                <a:spcPct val="150000"/>
-              </a:lnSpc>
-              <a:buFont typeface="Arial" panose="020B0604020202020204" pitchFamily="34" charset="0"/>
-              <a:buChar char="•"/>
-            </a:pPr>
-            <a:r>
-              <a:rPr lang="en-US" sz="2400" b="1" dirty="0">
-                <a:latin typeface="Times New Roman" panose="02020603050405020304" pitchFamily="18" charset="0"/>
-                <a:cs typeface="Times New Roman" panose="02020603050405020304" pitchFamily="18" charset="0"/>
-              </a:rPr>
-              <a:t>Objective</a:t>
-            </a:r>
             <a:r>
               <a:rPr lang="en-US" sz="2400" dirty="0">
                 <a:latin typeface="Times New Roman" panose="02020603050405020304" pitchFamily="18" charset="0"/>
                 <a:cs typeface="Times New Roman" panose="02020603050405020304" pitchFamily="18" charset="0"/>
               </a:rPr>
-              <a:t>: Predict crash occurrences to assist traffic management in reducing accidents.</a:t>
+              <a:t>This project aims to predict The most severe traffic crashes in Chicago using inputs such as weather, speed limits, road direction, road conditions, and Traffic way type. The goal is to identify high-risk conditions to develop road safety. </a:t>
             </a:r>
           </a:p>
           <a:p>
@@ -8897,33 +9419,89 @@
                 <a:spcPct val="150000"/>
               </a:lnSpc>
             </a:pPr>
-            <a:endParaRPr lang="en-US" sz="2400" b="1" dirty="0">
-              <a:latin typeface="Times New Roman" panose="02020603050405020304" pitchFamily="18" charset="0"/>
-              <a:cs typeface="Times New Roman" panose="02020603050405020304" pitchFamily="18" charset="0"/>
-            </a:endParaRPr>
-          </a:p>
-          <a:p>
-            <a:pPr marL="342900" indent="-342900">
-              <a:lnSpc>
-                <a:spcPct val="150000"/>
-              </a:lnSpc>
-              <a:buFont typeface="Arial" panose="020B0604020202020204" pitchFamily="34" charset="0"/>
-              <a:buChar char="•"/>
-            </a:pPr>
-            <a:r>
-              <a:rPr lang="en-US" sz="2400" b="1" dirty="0">
-                <a:latin typeface="Times New Roman" panose="02020603050405020304" pitchFamily="18" charset="0"/>
-                <a:cs typeface="Times New Roman" panose="02020603050405020304" pitchFamily="18" charset="0"/>
-              </a:rPr>
-              <a:t>Approach</a:t>
-            </a:r>
             <a:r>
               <a:rPr lang="en-US" sz="2400" dirty="0">
                 <a:latin typeface="Times New Roman" panose="02020603050405020304" pitchFamily="18" charset="0"/>
                 <a:cs typeface="Times New Roman" panose="02020603050405020304" pitchFamily="18" charset="0"/>
               </a:rPr>
-              <a:t>: Use historical crash data and machine learning techniques to model crash frequency.</a:t>
-            </a:r>
+              <a:t>● </a:t>
+            </a:r>
+            <a:r>
+              <a:rPr lang="en-US" sz="2450" b="1" dirty="0">
+                <a:latin typeface="Times New Roman" panose="02020603050405020304" pitchFamily="18" charset="0"/>
+                <a:cs typeface="Times New Roman" panose="02020603050405020304" pitchFamily="18" charset="0"/>
+              </a:rPr>
+              <a:t>Context</a:t>
+            </a:r>
+            <a:r>
+              <a:rPr lang="en-US" sz="2400" dirty="0">
+                <a:latin typeface="Times New Roman" panose="02020603050405020304" pitchFamily="18" charset="0"/>
+                <a:cs typeface="Times New Roman" panose="02020603050405020304" pitchFamily="18" charset="0"/>
+              </a:rPr>
+              <a:t>: </a:t>
+            </a:r>
+          </a:p>
+          <a:p>
+            <a:pPr>
+              <a:lnSpc>
+                <a:spcPct val="150000"/>
+              </a:lnSpc>
+            </a:pPr>
+            <a:r>
+              <a:rPr lang="en-US" sz="2400" dirty="0">
+                <a:latin typeface="Times New Roman" panose="02020603050405020304" pitchFamily="18" charset="0"/>
+                <a:cs typeface="Times New Roman" panose="02020603050405020304" pitchFamily="18" charset="0"/>
+              </a:rPr>
+              <a:t>Traffic crashes in Chicago affect the safety and the city's regular activities. Predicting severe crashes can help reduce severe accidents.</a:t>
+            </a:r>
+          </a:p>
+          <a:p>
+            <a:pPr>
+              <a:lnSpc>
+                <a:spcPct val="150000"/>
+              </a:lnSpc>
+            </a:pPr>
+            <a:r>
+              <a:rPr lang="en-US" sz="2400" dirty="0">
+                <a:latin typeface="Times New Roman" panose="02020603050405020304" pitchFamily="18" charset="0"/>
+                <a:cs typeface="Times New Roman" panose="02020603050405020304" pitchFamily="18" charset="0"/>
+              </a:rPr>
+              <a:t> ● </a:t>
+            </a:r>
+            <a:r>
+              <a:rPr lang="en-US" sz="2450" b="1" dirty="0">
+                <a:latin typeface="Times New Roman" panose="02020603050405020304" pitchFamily="18" charset="0"/>
+                <a:cs typeface="Times New Roman" panose="02020603050405020304" pitchFamily="18" charset="0"/>
+              </a:rPr>
+              <a:t>Criteria for Success</a:t>
+            </a:r>
+            <a:r>
+              <a:rPr lang="en-US" sz="2400" dirty="0">
+                <a:latin typeface="Times New Roman" panose="02020603050405020304" pitchFamily="18" charset="0"/>
+                <a:cs typeface="Times New Roman" panose="02020603050405020304" pitchFamily="18" charset="0"/>
+              </a:rPr>
+              <a:t>: </a:t>
+            </a:r>
+          </a:p>
+          <a:p>
+            <a:pPr>
+              <a:lnSpc>
+                <a:spcPct val="150000"/>
+              </a:lnSpc>
+            </a:pPr>
+            <a:r>
+              <a:rPr lang="en-US" sz="2400" dirty="0">
+                <a:latin typeface="Times New Roman" panose="02020603050405020304" pitchFamily="18" charset="0"/>
+                <a:cs typeface="Times New Roman" panose="02020603050405020304" pitchFamily="18" charset="0"/>
+              </a:rPr>
+              <a:t>Success is measured by the model's accuracy in predicting crash severity and its usefulness in suggesting actionable safety measures. </a:t>
+            </a:r>
+          </a:p>
+          <a:p>
+            <a:endParaRPr lang="en-US" sz="2400" dirty="0">
+              <a:latin typeface="Times New Roman" panose="02020603050405020304" pitchFamily="18" charset="0"/>
+              <a:cs typeface="Times New Roman" panose="02020603050405020304" pitchFamily="18" charset="0"/>
+            </a:endParaRPr>
           </a:p>
         </p:txBody>
       </p:sp>
@@ -8971,8 +9549,8 @@
         </p:nvSpPr>
         <p:spPr>
           <a:xfrm>
-            <a:off x="1783977" y="952997"/>
-            <a:ext cx="9018494" cy="5447645"/>
+            <a:off x="1775013" y="621303"/>
+            <a:ext cx="10121152" cy="8032968"/>
           </a:xfrm>
           <a:prstGeom prst="rect">
             <a:avLst/>
@@ -8985,115 +9563,152 @@
           </a:bodyPr>
           <a:lstStyle/>
           <a:p>
+            <a:pPr>
+              <a:lnSpc>
+                <a:spcPct val="150000"/>
+              </a:lnSpc>
+            </a:pPr>
+            <a:r>
+              <a:rPr lang="en-US" sz="2400" dirty="0">
+                <a:latin typeface="Times New Roman" panose="02020603050405020304" pitchFamily="18" charset="0"/>
+                <a:cs typeface="Times New Roman" panose="02020603050405020304" pitchFamily="18" charset="0"/>
+              </a:rPr>
+              <a:t>● </a:t>
+            </a:r>
+            <a:r>
+              <a:rPr lang="en-US" sz="2450" b="1" dirty="0">
+                <a:latin typeface="Times New Roman" panose="02020603050405020304" pitchFamily="18" charset="0"/>
+                <a:cs typeface="Times New Roman" panose="02020603050405020304" pitchFamily="18" charset="0"/>
+              </a:rPr>
+              <a:t>Scope of solution space</a:t>
+            </a:r>
+            <a:r>
+              <a:rPr lang="en-US" sz="2400" dirty="0">
+                <a:latin typeface="Times New Roman" panose="02020603050405020304" pitchFamily="18" charset="0"/>
+                <a:cs typeface="Times New Roman" panose="02020603050405020304" pitchFamily="18" charset="0"/>
+              </a:rPr>
+              <a:t>: Develop a linear regression model to predict the “Most Severe Injury” variable and understand key factors contributing to crashes. </a:t>
+            </a:r>
+          </a:p>
+          <a:p>
+            <a:pPr>
+              <a:lnSpc>
+                <a:spcPct val="150000"/>
+              </a:lnSpc>
+            </a:pPr>
+            <a:r>
+              <a:rPr lang="en-US" sz="2400" dirty="0">
+                <a:latin typeface="Times New Roman" panose="02020603050405020304" pitchFamily="18" charset="0"/>
+                <a:cs typeface="Times New Roman" panose="02020603050405020304" pitchFamily="18" charset="0"/>
+              </a:rPr>
+              <a:t>● </a:t>
+            </a:r>
+            <a:r>
+              <a:rPr lang="en-US" sz="2450" b="1" dirty="0">
+                <a:latin typeface="Times New Roman" panose="02020603050405020304" pitchFamily="18" charset="0"/>
+                <a:cs typeface="Times New Roman" panose="02020603050405020304" pitchFamily="18" charset="0"/>
+              </a:rPr>
+              <a:t>Constraints: </a:t>
+            </a:r>
+            <a:r>
+              <a:rPr lang="en-US" sz="2400" dirty="0">
+                <a:latin typeface="Times New Roman" panose="02020603050405020304" pitchFamily="18" charset="0"/>
+                <a:cs typeface="Times New Roman" panose="02020603050405020304" pitchFamily="18" charset="0"/>
+              </a:rPr>
+              <a:t>Data quality and limitations in capturing all factors affecting crashes. Regulatory and infrastructure constraints may limit actionable recommendations. </a:t>
+            </a:r>
+          </a:p>
+          <a:p>
+            <a:pPr>
+              <a:lnSpc>
+                <a:spcPct val="150000"/>
+              </a:lnSpc>
+            </a:pPr>
+            <a:r>
+              <a:rPr lang="en-US" sz="2400" dirty="0">
+                <a:latin typeface="Times New Roman" panose="02020603050405020304" pitchFamily="18" charset="0"/>
+                <a:cs typeface="Times New Roman" panose="02020603050405020304" pitchFamily="18" charset="0"/>
+              </a:rPr>
+              <a:t>● </a:t>
+            </a:r>
+            <a:r>
+              <a:rPr lang="en-US" sz="2450" b="1" dirty="0">
+                <a:latin typeface="Times New Roman" panose="02020603050405020304" pitchFamily="18" charset="0"/>
+                <a:cs typeface="Times New Roman" panose="02020603050405020304" pitchFamily="18" charset="0"/>
+              </a:rPr>
+              <a:t>Stakeholders: </a:t>
+            </a:r>
+            <a:r>
+              <a:rPr lang="en-US" sz="2400" dirty="0">
+                <a:latin typeface="Times New Roman" panose="02020603050405020304" pitchFamily="18" charset="0"/>
+                <a:cs typeface="Times New Roman" panose="02020603050405020304" pitchFamily="18" charset="0"/>
+              </a:rPr>
+              <a:t>City Traffic Authorities, Public Safety Officials, Urban Planners, Local Communities </a:t>
+            </a:r>
+          </a:p>
+          <a:p>
+            <a:pPr>
+              <a:lnSpc>
+                <a:spcPct val="150000"/>
+              </a:lnSpc>
+            </a:pPr>
+            <a:r>
+              <a:rPr lang="en-US" sz="2400" dirty="0">
+                <a:latin typeface="Times New Roman" panose="02020603050405020304" pitchFamily="18" charset="0"/>
+                <a:cs typeface="Times New Roman" panose="02020603050405020304" pitchFamily="18" charset="0"/>
+              </a:rPr>
+              <a:t>● </a:t>
+            </a:r>
             <a:r>
               <a:rPr lang="en-US" sz="2400" b="1" dirty="0">
                 <a:latin typeface="Times New Roman" panose="02020603050405020304" pitchFamily="18" charset="0"/>
                 <a:cs typeface="Times New Roman" panose="02020603050405020304" pitchFamily="18" charset="0"/>
               </a:rPr>
-              <a:t>Data Overview</a:t>
-            </a:r>
-          </a:p>
-          <a:p>
+              <a:t>Data</a:t>
+            </a:r>
+            <a:r>
+              <a:rPr lang="en-US" sz="2400" dirty="0">
+                <a:latin typeface="Times New Roman" panose="02020603050405020304" pitchFamily="18" charset="0"/>
+                <a:cs typeface="Times New Roman" panose="02020603050405020304" pitchFamily="18" charset="0"/>
+              </a:rPr>
+              <a:t> </a:t>
+            </a:r>
+            <a:r>
+              <a:rPr lang="en-US" sz="2450" b="1" dirty="0">
+                <a:latin typeface="Times New Roman" panose="02020603050405020304" pitchFamily="18" charset="0"/>
+                <a:cs typeface="Times New Roman" panose="02020603050405020304" pitchFamily="18" charset="0"/>
+              </a:rPr>
+              <a:t>Sources: </a:t>
+            </a:r>
+            <a:r>
+              <a:rPr lang="en-US" sz="2400" dirty="0">
+                <a:latin typeface="Times New Roman" panose="02020603050405020304" pitchFamily="18" charset="0"/>
+                <a:cs typeface="Times New Roman" panose="02020603050405020304" pitchFamily="18" charset="0"/>
+              </a:rPr>
+              <a:t>Traffic crash data from the City of Chicago, including weather and road information</a:t>
+            </a:r>
             <a:endParaRPr lang="en-US" sz="2400" b="1" dirty="0">
               <a:latin typeface="Times New Roman" panose="02020603050405020304" pitchFamily="18" charset="0"/>
               <a:cs typeface="Times New Roman" panose="02020603050405020304" pitchFamily="18" charset="0"/>
             </a:endParaRPr>
           </a:p>
           <a:p>
-            <a:pPr>
-              <a:buFont typeface="Arial" panose="020B0604020202020204" pitchFamily="34" charset="0"/>
-              <a:buChar char="•"/>
-            </a:pPr>
-            <a:r>
-              <a:rPr lang="en-US" sz="2400" b="1" dirty="0">
-                <a:latin typeface="Times New Roman" panose="02020603050405020304" pitchFamily="18" charset="0"/>
-                <a:cs typeface="Times New Roman" panose="02020603050405020304" pitchFamily="18" charset="0"/>
-              </a:rPr>
-              <a:t>Dataset Source</a:t>
-            </a:r>
-            <a:r>
-              <a:rPr lang="en-US" sz="2400" dirty="0">
-                <a:latin typeface="Times New Roman" panose="02020603050405020304" pitchFamily="18" charset="0"/>
-                <a:cs typeface="Times New Roman" panose="02020603050405020304" pitchFamily="18" charset="0"/>
-              </a:rPr>
-              <a:t>: Chicago Police Department Traffic Crash Dataset</a:t>
-            </a:r>
-          </a:p>
-          <a:p>
-            <a:pPr>
-              <a:buFont typeface="Arial" panose="020B0604020202020204" pitchFamily="34" charset="0"/>
-              <a:buChar char="•"/>
-            </a:pPr>
-            <a:endParaRPr lang="en-US" sz="2400" dirty="0">
+            <a:endParaRPr lang="en-US" sz="2400" b="1" dirty="0">
               <a:latin typeface="Times New Roman" panose="02020603050405020304" pitchFamily="18" charset="0"/>
               <a:cs typeface="Times New Roman" panose="02020603050405020304" pitchFamily="18" charset="0"/>
             </a:endParaRPr>
           </a:p>
           <a:p>
-            <a:pPr>
-              <a:lnSpc>
-                <a:spcPct val="150000"/>
-              </a:lnSpc>
-              <a:buFont typeface="Arial" panose="020B0604020202020204" pitchFamily="34" charset="0"/>
-              <a:buChar char="•"/>
-            </a:pPr>
-            <a:r>
-              <a:rPr lang="en-US" sz="2400" b="1" dirty="0">
-                <a:latin typeface="Times New Roman" panose="02020603050405020304" pitchFamily="18" charset="0"/>
-                <a:cs typeface="Times New Roman" panose="02020603050405020304" pitchFamily="18" charset="0"/>
-              </a:rPr>
-              <a:t>Key Variables</a:t>
-            </a:r>
-            <a:r>
-              <a:rPr lang="en-US" sz="2400" dirty="0">
-                <a:latin typeface="Times New Roman" panose="02020603050405020304" pitchFamily="18" charset="0"/>
-                <a:cs typeface="Times New Roman" panose="02020603050405020304" pitchFamily="18" charset="0"/>
-              </a:rPr>
-              <a:t>:</a:t>
-            </a:r>
-          </a:p>
-          <a:p>
-            <a:pPr marL="742950" lvl="1" indent="-285750">
-              <a:lnSpc>
-                <a:spcPct val="150000"/>
-              </a:lnSpc>
-              <a:buFont typeface="Arial" panose="020B0604020202020204" pitchFamily="34" charset="0"/>
-              <a:buChar char="•"/>
-            </a:pPr>
-            <a:r>
-              <a:rPr lang="en-US" sz="2400" dirty="0">
-                <a:latin typeface="Times New Roman" panose="02020603050405020304" pitchFamily="18" charset="0"/>
-                <a:cs typeface="Times New Roman" panose="02020603050405020304" pitchFamily="18" charset="0"/>
-              </a:rPr>
-              <a:t>Target: </a:t>
-            </a:r>
-            <a:r>
-              <a:rPr lang="en-US" sz="2400" b="1" dirty="0">
-                <a:latin typeface="Times New Roman" panose="02020603050405020304" pitchFamily="18" charset="0"/>
-                <a:cs typeface="Times New Roman" panose="02020603050405020304" pitchFamily="18" charset="0"/>
-              </a:rPr>
-              <a:t>Most Severe Injury</a:t>
-            </a:r>
-            <a:endParaRPr lang="en-US" sz="2400" dirty="0">
+            <a:endParaRPr lang="en-US" sz="2400" b="1" dirty="0">
               <a:latin typeface="Times New Roman" panose="02020603050405020304" pitchFamily="18" charset="0"/>
               <a:cs typeface="Times New Roman" panose="02020603050405020304" pitchFamily="18" charset="0"/>
             </a:endParaRPr>
           </a:p>
           <a:p>
-            <a:pPr marL="742950" lvl="1" indent="-285750">
-              <a:lnSpc>
-                <a:spcPct val="150000"/>
-              </a:lnSpc>
-              <a:buFont typeface="Arial" panose="020B0604020202020204" pitchFamily="34" charset="0"/>
-              <a:buChar char="•"/>
-            </a:pPr>
-            <a:r>
-              <a:rPr lang="en-US" sz="2400" dirty="0">
-                <a:latin typeface="Times New Roman" panose="02020603050405020304" pitchFamily="18" charset="0"/>
-                <a:cs typeface="Times New Roman" panose="02020603050405020304" pitchFamily="18" charset="0"/>
-              </a:rPr>
-              <a:t>Features: Days of the week, Months, Posted speed limit, Weather conditions, Road types, etc.</a:t>
-            </a:r>
+            <a:endParaRPr lang="en-US" sz="2400" b="1" dirty="0">
+              <a:latin typeface="Times New Roman" panose="02020603050405020304" pitchFamily="18" charset="0"/>
+              <a:cs typeface="Times New Roman" panose="02020603050405020304" pitchFamily="18" charset="0"/>
+            </a:endParaRPr>
           </a:p>
           <a:p>
             <a:pPr marL="742950" lvl="1" indent="-285750">
@@ -9107,26 +9722,6 @@
               <a:latin typeface="Times New Roman" panose="02020603050405020304" pitchFamily="18" charset="0"/>
               <a:cs typeface="Times New Roman" panose="02020603050405020304" pitchFamily="18" charset="0"/>
             </a:endParaRPr>
-          </a:p>
-          <a:p>
-            <a:pPr>
-              <a:buFont typeface="Arial" panose="020B0604020202020204" pitchFamily="34" charset="0"/>
-              <a:buChar char="•"/>
-            </a:pPr>
-            <a:r>
-              <a:rPr lang="en-US" sz="2400" b="1" dirty="0">
-                <a:latin typeface="Times New Roman" panose="02020603050405020304" pitchFamily="18" charset="0"/>
-                <a:cs typeface="Times New Roman" panose="02020603050405020304" pitchFamily="18" charset="0"/>
-              </a:rPr>
-              <a:t>Data Size</a:t>
-            </a:r>
-            <a:r>
-              <a:rPr lang="en-US" sz="2400" dirty="0">
-                <a:latin typeface="Times New Roman" panose="02020603050405020304" pitchFamily="18" charset="0"/>
-                <a:cs typeface="Times New Roman" panose="02020603050405020304" pitchFamily="18" charset="0"/>
-              </a:rPr>
-              <a:t>: 5201 rows, 10 columns</a:t>
-            </a:r>
           </a:p>
           <a:p>
             <a:endParaRPr lang="en-US" sz="2400" dirty="0">
@@ -9156,6 +9751,223 @@
 </file>
 
 <file path=ppt/slides/slide4.xml><?xml version="1.0" encoding="utf-8"?>
+<p:sld xmlns:a="http://schemas.openxmlformats.org/drawingml/2006/main" xmlns:r="http://schemas.openxmlformats.org/officeDocument/2006/relationships" xmlns:p="http://schemas.openxmlformats.org/presentationml/2006/main">
+  <p:cSld>
+    <p:spTree>
+      <p:nvGrpSpPr>
+        <p:cNvPr id="1" name=""/>
+        <p:cNvGrpSpPr/>
+        <p:nvPr/>
+      </p:nvGrpSpPr>
+      <p:grpSpPr>
+        <a:xfrm>
+          <a:off x="0" y="0"/>
+          <a:ext cx="0" cy="0"/>
+          <a:chOff x="0" y="0"/>
+          <a:chExt cx="0" cy="0"/>
+        </a:xfrm>
+      </p:grpSpPr>
+      <p:sp>
+        <p:nvSpPr>
+          <p:cNvPr id="3" name="TextBox 2">
+            <a:extLst>
+              <a:ext uri="{FF2B5EF4-FFF2-40B4-BE49-F238E27FC236}">
+                <a16:creationId xmlns:a16="http://schemas.microsoft.com/office/drawing/2014/main" id="{66CA661C-2331-9A40-1841-F119E7B17E4C}"/>
+              </a:ext>
+            </a:extLst>
+          </p:cNvPr>
+          <p:cNvSpPr txBox="1"/>
+          <p:nvPr/>
+        </p:nvSpPr>
+        <p:spPr>
+          <a:xfrm>
+            <a:off x="1515034" y="1139067"/>
+            <a:ext cx="8794377" cy="5381281"/>
+          </a:xfrm>
+          <a:prstGeom prst="rect">
+            <a:avLst/>
+          </a:prstGeom>
+          <a:noFill/>
+        </p:spPr>
+        <p:txBody>
+          <a:bodyPr wrap="square">
+            <a:spAutoFit/>
+          </a:bodyPr>
+          <a:lstStyle/>
+          <a:p>
+            <a:r>
+              <a:rPr lang="en-US" sz="2400" b="1" dirty="0">
+                <a:latin typeface="Times New Roman" panose="02020603050405020304" pitchFamily="18" charset="0"/>
+                <a:cs typeface="Times New Roman" panose="02020603050405020304" pitchFamily="18" charset="0"/>
+              </a:rPr>
+              <a:t>Data Overview</a:t>
+            </a:r>
+          </a:p>
+          <a:p>
+            <a:endParaRPr lang="en-US" sz="2400" b="1" dirty="0">
+              <a:latin typeface="Times New Roman" panose="02020603050405020304" pitchFamily="18" charset="0"/>
+              <a:cs typeface="Times New Roman" panose="02020603050405020304" pitchFamily="18" charset="0"/>
+            </a:endParaRPr>
+          </a:p>
+          <a:p>
+            <a:pPr>
+              <a:buFont typeface="Arial" panose="020B0604020202020204" pitchFamily="34" charset="0"/>
+              <a:buChar char="•"/>
+            </a:pPr>
+            <a:r>
+              <a:rPr lang="en-US" sz="2400" b="1" dirty="0">
+                <a:latin typeface="Times New Roman" panose="02020603050405020304" pitchFamily="18" charset="0"/>
+                <a:cs typeface="Times New Roman" panose="02020603050405020304" pitchFamily="18" charset="0"/>
+              </a:rPr>
+              <a:t>Dataset Source</a:t>
+            </a:r>
+            <a:r>
+              <a:rPr lang="en-US" sz="2400" dirty="0">
+                <a:latin typeface="Times New Roman" panose="02020603050405020304" pitchFamily="18" charset="0"/>
+                <a:cs typeface="Times New Roman" panose="02020603050405020304" pitchFamily="18" charset="0"/>
+              </a:rPr>
+              <a:t>: Chicago Police Department Traffic Crash Dataset</a:t>
+            </a:r>
+          </a:p>
+          <a:p>
+            <a:pPr>
+              <a:buFont typeface="Arial" panose="020B0604020202020204" pitchFamily="34" charset="0"/>
+              <a:buChar char="•"/>
+            </a:pPr>
+            <a:endParaRPr lang="en-US" sz="2400" dirty="0">
+              <a:latin typeface="Times New Roman" panose="02020603050405020304" pitchFamily="18" charset="0"/>
+              <a:cs typeface="Times New Roman" panose="02020603050405020304" pitchFamily="18" charset="0"/>
+            </a:endParaRPr>
+          </a:p>
+          <a:p>
+            <a:pPr>
+              <a:lnSpc>
+                <a:spcPct val="150000"/>
+              </a:lnSpc>
+              <a:buFont typeface="Arial" panose="020B0604020202020204" pitchFamily="34" charset="0"/>
+              <a:buChar char="•"/>
+            </a:pPr>
+            <a:r>
+              <a:rPr lang="en-US" sz="2400" b="1" dirty="0">
+                <a:latin typeface="Times New Roman" panose="02020603050405020304" pitchFamily="18" charset="0"/>
+                <a:cs typeface="Times New Roman" panose="02020603050405020304" pitchFamily="18" charset="0"/>
+              </a:rPr>
+              <a:t>Key Variables</a:t>
+            </a:r>
+            <a:r>
+              <a:rPr lang="en-US" sz="2400" dirty="0">
+                <a:latin typeface="Times New Roman" panose="02020603050405020304" pitchFamily="18" charset="0"/>
+                <a:cs typeface="Times New Roman" panose="02020603050405020304" pitchFamily="18" charset="0"/>
+              </a:rPr>
+              <a:t>:</a:t>
+            </a:r>
+          </a:p>
+          <a:p>
+            <a:pPr marL="742950" lvl="1" indent="-285750">
+              <a:lnSpc>
+                <a:spcPct val="150000"/>
+              </a:lnSpc>
+              <a:buFont typeface="Arial" panose="020B0604020202020204" pitchFamily="34" charset="0"/>
+              <a:buChar char="•"/>
+            </a:pPr>
+            <a:r>
+              <a:rPr lang="en-US" sz="2400" dirty="0">
+                <a:latin typeface="Times New Roman" panose="02020603050405020304" pitchFamily="18" charset="0"/>
+                <a:cs typeface="Times New Roman" panose="02020603050405020304" pitchFamily="18" charset="0"/>
+              </a:rPr>
+              <a:t>Target: </a:t>
+            </a:r>
+            <a:r>
+              <a:rPr lang="en-US" sz="2400" b="1" dirty="0">
+                <a:latin typeface="Times New Roman" panose="02020603050405020304" pitchFamily="18" charset="0"/>
+                <a:cs typeface="Times New Roman" panose="02020603050405020304" pitchFamily="18" charset="0"/>
+              </a:rPr>
+              <a:t>Most Severe Injury</a:t>
+            </a:r>
+            <a:endParaRPr lang="en-US" sz="2400" dirty="0">
+              <a:latin typeface="Times New Roman" panose="02020603050405020304" pitchFamily="18" charset="0"/>
+              <a:cs typeface="Times New Roman" panose="02020603050405020304" pitchFamily="18" charset="0"/>
+            </a:endParaRPr>
+          </a:p>
+          <a:p>
+            <a:pPr marL="742950" lvl="1" indent="-285750">
+              <a:lnSpc>
+                <a:spcPct val="150000"/>
+              </a:lnSpc>
+              <a:buFont typeface="Arial" panose="020B0604020202020204" pitchFamily="34" charset="0"/>
+              <a:buChar char="•"/>
+            </a:pPr>
+            <a:r>
+              <a:rPr lang="en-US" sz="2400" dirty="0">
+                <a:latin typeface="Times New Roman" panose="02020603050405020304" pitchFamily="18" charset="0"/>
+                <a:cs typeface="Times New Roman" panose="02020603050405020304" pitchFamily="18" charset="0"/>
+              </a:rPr>
+              <a:t>Features: Days of the week, Months, Posted speed limit, Weather conditions, Road types, etc.</a:t>
+            </a:r>
+          </a:p>
+          <a:p>
+            <a:pPr lvl="1">
+              <a:lnSpc>
+                <a:spcPct val="150000"/>
+              </a:lnSpc>
+            </a:pPr>
+            <a:endParaRPr lang="en-US" sz="2400" dirty="0">
+              <a:latin typeface="Times New Roman" panose="02020603050405020304" pitchFamily="18" charset="0"/>
+              <a:cs typeface="Times New Roman" panose="02020603050405020304" pitchFamily="18" charset="0"/>
+            </a:endParaRPr>
+          </a:p>
+          <a:p>
+            <a:pPr marL="742950" lvl="1" indent="-285750">
+              <a:lnSpc>
+                <a:spcPct val="150000"/>
+              </a:lnSpc>
+              <a:buFont typeface="Arial" panose="020B0604020202020204" pitchFamily="34" charset="0"/>
+              <a:buChar char="•"/>
+            </a:pPr>
+            <a:r>
+              <a:rPr lang="en-US" sz="2400" b="1" dirty="0">
+                <a:latin typeface="Times New Roman" panose="02020603050405020304" pitchFamily="18" charset="0"/>
+                <a:cs typeface="Times New Roman" panose="02020603050405020304" pitchFamily="18" charset="0"/>
+              </a:rPr>
+              <a:t>Data Size</a:t>
+            </a:r>
+            <a:r>
+              <a:rPr lang="en-US" sz="2400" dirty="0">
+                <a:latin typeface="Times New Roman" panose="02020603050405020304" pitchFamily="18" charset="0"/>
+                <a:cs typeface="Times New Roman" panose="02020603050405020304" pitchFamily="18" charset="0"/>
+              </a:rPr>
+              <a:t>: 5201 rows, 10 columns</a:t>
+            </a:r>
+          </a:p>
+          <a:p>
+            <a:pPr marL="742950" lvl="1" indent="-285750">
+              <a:lnSpc>
+                <a:spcPct val="150000"/>
+              </a:lnSpc>
+              <a:buFont typeface="Arial" panose="020B0604020202020204" pitchFamily="34" charset="0"/>
+              <a:buChar char="•"/>
+            </a:pPr>
+            <a:endParaRPr lang="en-US" sz="2400" dirty="0">
+              <a:latin typeface="Times New Roman" panose="02020603050405020304" pitchFamily="18" charset="0"/>
+              <a:cs typeface="Times New Roman" panose="02020603050405020304" pitchFamily="18" charset="0"/>
+            </a:endParaRPr>
+          </a:p>
+        </p:txBody>
+      </p:sp>
+    </p:spTree>
+    <p:extLst>
+      <p:ext uri="{BB962C8B-B14F-4D97-AF65-F5344CB8AC3E}">
+        <p14:creationId xmlns:p14="http://schemas.microsoft.com/office/powerpoint/2010/main" val="3895103046"/>
+      </p:ext>
+    </p:extLst>
+  </p:cSld>
+  <p:clrMapOvr>
+    <a:masterClrMapping/>
+  </p:clrMapOvr>
+</p:sld>
+</file>
+
+<file path=ppt/slides/slide5.xml><?xml version="1.0" encoding="utf-8"?>
 <p:sld xmlns:a="http://schemas.openxmlformats.org/drawingml/2006/main" xmlns:r="http://schemas.openxmlformats.org/officeDocument/2006/relationships" xmlns:p="http://schemas.openxmlformats.org/presentationml/2006/main">
   <p:cSld>
     <p:spTree>
@@ -9918,7 +10730,7 @@
 </p:sld>
 </file>
 
-<file path=ppt/slides/slide5.xml><?xml version="1.0" encoding="utf-8"?>
+<file path=ppt/slides/slide6.xml><?xml version="1.0" encoding="utf-8"?>
 <p:sld xmlns:a="http://schemas.openxmlformats.org/drawingml/2006/main" xmlns:r="http://schemas.openxmlformats.org/officeDocument/2006/relationships" xmlns:p="http://schemas.openxmlformats.org/presentationml/2006/main">
   <p:cSld>
     <p:spTree>
@@ -10405,7 +11217,7 @@
 </p:sld>
 </file>
 
-<file path=ppt/slides/slide6.xml><?xml version="1.0" encoding="utf-8"?>
+<file path=ppt/slides/slide7.xml><?xml version="1.0" encoding="utf-8"?>
 <p:sld xmlns:a="http://schemas.openxmlformats.org/drawingml/2006/main" xmlns:r="http://schemas.openxmlformats.org/officeDocument/2006/relationships" xmlns:p="http://schemas.openxmlformats.org/presentationml/2006/main">
   <p:cSld>
     <p:spTree>
@@ -10651,7 +11463,7 @@
 </p:sld>
 </file>
 
-<file path=ppt/slides/slide7.xml><?xml version="1.0" encoding="utf-8"?>
+<file path=ppt/slides/slide8.xml><?xml version="1.0" encoding="utf-8"?>
 <p:sld xmlns:a="http://schemas.openxmlformats.org/drawingml/2006/main" xmlns:r="http://schemas.openxmlformats.org/officeDocument/2006/relationships" xmlns:p="http://schemas.openxmlformats.org/presentationml/2006/main">
   <p:cSld>
     <p:spTree>
@@ -10918,7 +11730,7 @@
 </p:sld>
 </file>
 
-<file path=ppt/slides/slide8.xml><?xml version="1.0" encoding="utf-8"?>
+<file path=ppt/slides/slide9.xml><?xml version="1.0" encoding="utf-8"?>
 <p:sld xmlns:a="http://schemas.openxmlformats.org/drawingml/2006/main" xmlns:r="http://schemas.openxmlformats.org/officeDocument/2006/relationships" xmlns:p="http://schemas.openxmlformats.org/presentationml/2006/main">
   <p:cSld>
     <p:spTree>
@@ -10949,8 +11761,8 @@
         </p:nvSpPr>
         <p:spPr>
           <a:xfrm>
-            <a:off x="1730187" y="1320551"/>
-            <a:ext cx="9269506" cy="4939814"/>
+            <a:off x="1317810" y="921330"/>
+            <a:ext cx="10676966" cy="1508105"/>
           </a:xfrm>
           <a:prstGeom prst="rect">
             <a:avLst/>
@@ -10963,122 +11775,6 @@
           </a:bodyPr>
           <a:lstStyle/>
           <a:p>
-            <a:r>
-              <a:rPr lang="en-US" sz="2400" b="1" dirty="0">
-                <a:latin typeface="Times New Roman" panose="02020603050405020304" pitchFamily="18" charset="0"/>
-                <a:cs typeface="Times New Roman" panose="02020603050405020304" pitchFamily="18" charset="0"/>
-              </a:rPr>
-              <a:t>Model Training</a:t>
-            </a:r>
-          </a:p>
-          <a:p>
-            <a:endParaRPr lang="en-US" sz="2400" b="1" dirty="0">
-              <a:latin typeface="Times New Roman" panose="02020603050405020304" pitchFamily="18" charset="0"/>
-              <a:cs typeface="Times New Roman" panose="02020603050405020304" pitchFamily="18" charset="0"/>
-            </a:endParaRPr>
-          </a:p>
-          <a:p>
-            <a:pPr>
-              <a:buFont typeface="Arial" panose="020B0604020202020204" pitchFamily="34" charset="0"/>
-              <a:buChar char="•"/>
-            </a:pPr>
-            <a:r>
-              <a:rPr lang="en-US" sz="2400" b="1" dirty="0">
-                <a:latin typeface="Times New Roman" panose="02020603050405020304" pitchFamily="18" charset="0"/>
-                <a:cs typeface="Times New Roman" panose="02020603050405020304" pitchFamily="18" charset="0"/>
-              </a:rPr>
-              <a:t>Best Model</a:t>
-            </a:r>
-            <a:r>
-              <a:rPr lang="en-US" sz="2400" dirty="0">
-                <a:latin typeface="Times New Roman" panose="02020603050405020304" pitchFamily="18" charset="0"/>
-                <a:cs typeface="Times New Roman" panose="02020603050405020304" pitchFamily="18" charset="0"/>
-              </a:rPr>
-              <a:t>: </a:t>
-            </a:r>
-            <a:r>
-              <a:rPr lang="en-US" sz="2200" dirty="0">
-                <a:latin typeface="Times New Roman" panose="02020603050405020304" pitchFamily="18" charset="0"/>
-                <a:cs typeface="Times New Roman" panose="02020603050405020304" pitchFamily="18" charset="0"/>
-              </a:rPr>
-              <a:t>Gradient Boosting</a:t>
-            </a:r>
-          </a:p>
-          <a:p>
-            <a:endParaRPr lang="en-US" sz="2400" dirty="0">
-              <a:latin typeface="Times New Roman" panose="02020603050405020304" pitchFamily="18" charset="0"/>
-              <a:cs typeface="Times New Roman" panose="02020603050405020304" pitchFamily="18" charset="0"/>
-            </a:endParaRPr>
-          </a:p>
-          <a:p>
-            <a:pPr>
-              <a:buFont typeface="Arial" panose="020B0604020202020204" pitchFamily="34" charset="0"/>
-              <a:buChar char="•"/>
-            </a:pPr>
-            <a:r>
-              <a:rPr lang="en-US" sz="2400" b="1" dirty="0">
-                <a:latin typeface="Times New Roman" panose="02020603050405020304" pitchFamily="18" charset="0"/>
-                <a:cs typeface="Times New Roman" panose="02020603050405020304" pitchFamily="18" charset="0"/>
-              </a:rPr>
-              <a:t>Hyperparameters Tuned</a:t>
-            </a:r>
-            <a:r>
-              <a:rPr lang="en-US" sz="2400" dirty="0">
-                <a:latin typeface="Times New Roman" panose="02020603050405020304" pitchFamily="18" charset="0"/>
-                <a:cs typeface="Times New Roman" panose="02020603050405020304" pitchFamily="18" charset="0"/>
-              </a:rPr>
-              <a:t>:</a:t>
-            </a:r>
-          </a:p>
-          <a:p>
-            <a:pPr marL="742950" lvl="1" indent="-285750">
-              <a:lnSpc>
-                <a:spcPct val="150000"/>
-              </a:lnSpc>
-              <a:buFont typeface="Arial" panose="020B0604020202020204" pitchFamily="34" charset="0"/>
-              <a:buChar char="•"/>
-            </a:pPr>
-            <a:r>
-              <a:rPr lang="en-US" sz="2200" dirty="0">
-                <a:latin typeface="Times New Roman" panose="02020603050405020304" pitchFamily="18" charset="0"/>
-                <a:cs typeface="Times New Roman" panose="02020603050405020304" pitchFamily="18" charset="0"/>
-              </a:rPr>
-              <a:t>Number of Trees: 100</a:t>
-            </a:r>
-          </a:p>
-          <a:p>
-            <a:pPr marL="742950" lvl="1" indent="-285750">
-              <a:lnSpc>
-                <a:spcPct val="150000"/>
-              </a:lnSpc>
-              <a:buFont typeface="Arial" panose="020B0604020202020204" pitchFamily="34" charset="0"/>
-              <a:buChar char="•"/>
-            </a:pPr>
-            <a:r>
-              <a:rPr lang="en-US" sz="2200" dirty="0">
-                <a:latin typeface="Times New Roman" panose="02020603050405020304" pitchFamily="18" charset="0"/>
-                <a:cs typeface="Times New Roman" panose="02020603050405020304" pitchFamily="18" charset="0"/>
-              </a:rPr>
-              <a:t>Max Depth: 10</a:t>
-            </a:r>
-          </a:p>
-          <a:p>
-            <a:pPr marL="742950" lvl="1" indent="-285750">
-              <a:lnSpc>
-                <a:spcPct val="150000"/>
-              </a:lnSpc>
-              <a:buFont typeface="Arial" panose="020B0604020202020204" pitchFamily="34" charset="0"/>
-              <a:buChar char="•"/>
-            </a:pPr>
-            <a:r>
-              <a:rPr lang="en-US" sz="2200" dirty="0">
-                <a:latin typeface="Times New Roman" panose="02020603050405020304" pitchFamily="18" charset="0"/>
-                <a:cs typeface="Times New Roman" panose="02020603050405020304" pitchFamily="18" charset="0"/>
-              </a:rPr>
-              <a:t>Minimum Samples Split: 2</a:t>
-            </a:r>
-          </a:p>
-          <a:p>
             <a:pPr lvl="1"/>
             <a:endParaRPr lang="en-US" sz="2400" dirty="0">
               <a:latin typeface="Times New Roman" panose="02020603050405020304" pitchFamily="18" charset="0"/>
@@ -11086,38 +11782,10 @@
             </a:endParaRPr>
           </a:p>
           <a:p>
-            <a:pPr>
-              <a:buFont typeface="Arial" panose="020B0604020202020204" pitchFamily="34" charset="0"/>
-              <a:buChar char="•"/>
-            </a:pPr>
-            <a:r>
-              <a:rPr lang="en-US" sz="2400" b="1" dirty="0">
-                <a:latin typeface="Times New Roman" panose="02020603050405020304" pitchFamily="18" charset="0"/>
-                <a:cs typeface="Times New Roman" panose="02020603050405020304" pitchFamily="18" charset="0"/>
-              </a:rPr>
-              <a:t>Optimization</a:t>
-            </a:r>
-            <a:r>
-              <a:rPr lang="en-US" sz="2400" dirty="0">
-                <a:latin typeface="Times New Roman" panose="02020603050405020304" pitchFamily="18" charset="0"/>
-                <a:cs typeface="Times New Roman" panose="02020603050405020304" pitchFamily="18" charset="0"/>
-              </a:rPr>
-              <a:t>: </a:t>
-            </a:r>
-            <a:r>
-              <a:rPr lang="en-US" sz="2200" dirty="0" err="1">
-                <a:latin typeface="Times New Roman" panose="02020603050405020304" pitchFamily="18" charset="0"/>
-                <a:cs typeface="Times New Roman" panose="02020603050405020304" pitchFamily="18" charset="0"/>
-              </a:rPr>
-              <a:t>GridSearchCV</a:t>
-            </a:r>
-            <a:r>
-              <a:rPr lang="en-US" sz="2200" dirty="0">
-                <a:latin typeface="Times New Roman" panose="02020603050405020304" pitchFamily="18" charset="0"/>
-                <a:cs typeface="Times New Roman" panose="02020603050405020304" pitchFamily="18" charset="0"/>
-              </a:rPr>
-              <a:t> used for tuning.</a:t>
-            </a:r>
+            <a:endParaRPr lang="en-US" sz="2200" dirty="0">
+              <a:latin typeface="Times New Roman" panose="02020603050405020304" pitchFamily="18" charset="0"/>
+              <a:cs typeface="Times New Roman" panose="02020603050405020304" pitchFamily="18" charset="0"/>
+            </a:endParaRPr>
           </a:p>
           <a:p>
             <a:endParaRPr lang="en-US" sz="2400" dirty="0">
@@ -11133,42 +11801,634 @@
           </a:p>
         </p:txBody>
       </p:sp>
-    </p:spTree>
-    <p:extLst>
-      <p:ext uri="{BB962C8B-B14F-4D97-AF65-F5344CB8AC3E}">
-        <p14:creationId xmlns:p14="http://schemas.microsoft.com/office/powerpoint/2010/main" val="3967890430"/>
-      </p:ext>
-    </p:extLst>
-  </p:cSld>
-  <p:clrMapOvr>
-    <a:masterClrMapping/>
-  </p:clrMapOvr>
-</p:sld>
-</file>
-
-<file path=ppt/slides/slide9.xml><?xml version="1.0" encoding="utf-8"?>
-<p:sld xmlns:a="http://schemas.openxmlformats.org/drawingml/2006/main" xmlns:r="http://schemas.openxmlformats.org/officeDocument/2006/relationships" xmlns:p="http://schemas.openxmlformats.org/presentationml/2006/main">
-  <p:cSld>
-    <p:spTree>
-      <p:nvGrpSpPr>
-        <p:cNvPr id="1" name=""/>
-        <p:cNvGrpSpPr/>
-        <p:nvPr/>
-      </p:nvGrpSpPr>
-      <p:grpSpPr>
-        <a:xfrm>
-          <a:off x="0" y="0"/>
-          <a:ext cx="0" cy="0"/>
-          <a:chOff x="0" y="0"/>
-          <a:chExt cx="0" cy="0"/>
-        </a:xfrm>
-      </p:grpSpPr>
+      <p:graphicFrame>
+        <p:nvGraphicFramePr>
+          <p:cNvPr id="2" name="Table 1">
+            <a:extLst>
+              <a:ext uri="{FF2B5EF4-FFF2-40B4-BE49-F238E27FC236}">
+                <a16:creationId xmlns:a16="http://schemas.microsoft.com/office/drawing/2014/main" id="{CD693D6C-A863-1593-83DF-E6024186E69D}"/>
+              </a:ext>
+            </a:extLst>
+          </p:cNvPr>
+          <p:cNvGraphicFramePr>
+            <a:graphicFrameLocks noGrp="1"/>
+          </p:cNvGraphicFramePr>
+          <p:nvPr>
+            <p:extLst>
+              <p:ext uri="{D42A27DB-BD31-4B8C-83A1-F6EECF244321}">
+                <p14:modId xmlns:p14="http://schemas.microsoft.com/office/powerpoint/2010/main" val="555430587"/>
+              </p:ext>
+            </p:extLst>
+          </p:nvPr>
+        </p:nvGraphicFramePr>
+        <p:xfrm>
+          <a:off x="2023316" y="2922492"/>
+          <a:ext cx="7637930" cy="3334870"/>
+        </p:xfrm>
+        <a:graphic>
+          <a:graphicData uri="http://schemas.openxmlformats.org/drawingml/2006/table">
+            <a:tbl>
+              <a:tblPr firstRow="1" firstCol="1" bandRow="1">
+                <a:tableStyleId>{5C22544A-7EE6-4342-B048-85BDC9FD1C3A}</a:tableStyleId>
+              </a:tblPr>
+              <a:tblGrid>
+                <a:gridCol w="2344979">
+                  <a:extLst>
+                    <a:ext uri="{9D8B030D-6E8A-4147-A177-3AD203B41FA5}">
+                      <a16:colId xmlns:a16="http://schemas.microsoft.com/office/drawing/2014/main" val="1020425274"/>
+                    </a:ext>
+                  </a:extLst>
+                </a:gridCol>
+                <a:gridCol w="2545977">
+                  <a:extLst>
+                    <a:ext uri="{9D8B030D-6E8A-4147-A177-3AD203B41FA5}">
+                      <a16:colId xmlns:a16="http://schemas.microsoft.com/office/drawing/2014/main" val="703025656"/>
+                    </a:ext>
+                  </a:extLst>
+                </a:gridCol>
+                <a:gridCol w="2746974">
+                  <a:extLst>
+                    <a:ext uri="{9D8B030D-6E8A-4147-A177-3AD203B41FA5}">
+                      <a16:colId xmlns:a16="http://schemas.microsoft.com/office/drawing/2014/main" val="3207236365"/>
+                    </a:ext>
+                  </a:extLst>
+                </a:gridCol>
+              </a:tblGrid>
+              <a:tr h="666974">
+                <a:tc>
+                  <a:txBody>
+                    <a:bodyPr/>
+                    <a:lstStyle/>
+                    <a:p>
+                      <a:pPr marL="0" marR="0">
+                        <a:lnSpc>
+                          <a:spcPct val="107000"/>
+                        </a:lnSpc>
+                        <a:spcAft>
+                          <a:spcPts val="800"/>
+                        </a:spcAft>
+                      </a:pPr>
+                      <a:r>
+                        <a:rPr lang="en-US" sz="1400" dirty="0">
+                          <a:effectLst/>
+                        </a:rPr>
+                        <a:t>Metric</a:t>
+                      </a:r>
+                      <a:endParaRPr lang="en-US" sz="1100" dirty="0">
+                        <a:effectLst/>
+                      </a:endParaRPr>
+                    </a:p>
+                    <a:p>
+                      <a:pPr marL="0" marR="0">
+                        <a:lnSpc>
+                          <a:spcPct val="107000"/>
+                        </a:lnSpc>
+                        <a:spcAft>
+                          <a:spcPts val="800"/>
+                        </a:spcAft>
+                      </a:pPr>
+                      <a:r>
+                        <a:rPr lang="en-US" sz="1400" dirty="0">
+                          <a:effectLst/>
+                        </a:rPr>
+                        <a:t> </a:t>
+                      </a:r>
+                      <a:endParaRPr lang="en-US" sz="1100" dirty="0">
+                        <a:effectLst/>
+                        <a:latin typeface="Calibri" panose="020F0502020204030204" pitchFamily="34" charset="0"/>
+                        <a:ea typeface="Calibri" panose="020F0502020204030204" pitchFamily="34" charset="0"/>
+                        <a:cs typeface="Times New Roman" panose="02020603050405020304" pitchFamily="18" charset="0"/>
+                      </a:endParaRPr>
+                    </a:p>
+                  </a:txBody>
+                  <a:tcPr marL="68580" marR="68580" marT="0" marB="0"/>
+                </a:tc>
+                <a:tc>
+                  <a:txBody>
+                    <a:bodyPr/>
+                    <a:lstStyle/>
+                    <a:p>
+                      <a:pPr marL="0" marR="0">
+                        <a:lnSpc>
+                          <a:spcPct val="107000"/>
+                        </a:lnSpc>
+                        <a:spcAft>
+                          <a:spcPts val="800"/>
+                        </a:spcAft>
+                      </a:pPr>
+                      <a:r>
+                        <a:rPr lang="en-US" sz="1400" dirty="0">
+                          <a:effectLst/>
+                        </a:rPr>
+                        <a:t>Random Forest (Model 1)</a:t>
+                      </a:r>
+                      <a:endParaRPr lang="en-US" sz="1100" dirty="0">
+                        <a:effectLst/>
+                        <a:latin typeface="Calibri" panose="020F0502020204030204" pitchFamily="34" charset="0"/>
+                        <a:ea typeface="Calibri" panose="020F0502020204030204" pitchFamily="34" charset="0"/>
+                        <a:cs typeface="Times New Roman" panose="02020603050405020304" pitchFamily="18" charset="0"/>
+                      </a:endParaRPr>
+                    </a:p>
+                  </a:txBody>
+                  <a:tcPr marL="68580" marR="68580" marT="0" marB="0"/>
+                </a:tc>
+                <a:tc>
+                  <a:txBody>
+                    <a:bodyPr/>
+                    <a:lstStyle/>
+                    <a:p>
+                      <a:pPr marL="0" marR="0">
+                        <a:lnSpc>
+                          <a:spcPct val="107000"/>
+                        </a:lnSpc>
+                        <a:spcAft>
+                          <a:spcPts val="800"/>
+                        </a:spcAft>
+                      </a:pPr>
+                      <a:r>
+                        <a:rPr lang="en-US" sz="1400">
+                          <a:effectLst/>
+                        </a:rPr>
+                        <a:t>Gradient Boosting (Model 2)</a:t>
+                      </a:r>
+                      <a:endParaRPr lang="en-US" sz="1100">
+                        <a:effectLst/>
+                        <a:latin typeface="Calibri" panose="020F0502020204030204" pitchFamily="34" charset="0"/>
+                        <a:ea typeface="Calibri" panose="020F0502020204030204" pitchFamily="34" charset="0"/>
+                        <a:cs typeface="Times New Roman" panose="02020603050405020304" pitchFamily="18" charset="0"/>
+                      </a:endParaRPr>
+                    </a:p>
+                  </a:txBody>
+                  <a:tcPr marL="68580" marR="68580" marT="0" marB="0"/>
+                </a:tc>
+                <a:extLst>
+                  <a:ext uri="{0D108BD9-81ED-4DB2-BD59-A6C34878D82A}">
+                    <a16:rowId xmlns:a16="http://schemas.microsoft.com/office/drawing/2014/main" val="2588398667"/>
+                  </a:ext>
+                </a:extLst>
+              </a:tr>
+              <a:tr h="666974">
+                <a:tc>
+                  <a:txBody>
+                    <a:bodyPr/>
+                    <a:lstStyle/>
+                    <a:p>
+                      <a:pPr marL="0" marR="0">
+                        <a:lnSpc>
+                          <a:spcPct val="107000"/>
+                        </a:lnSpc>
+                        <a:spcAft>
+                          <a:spcPts val="800"/>
+                        </a:spcAft>
+                      </a:pPr>
+                      <a:r>
+                        <a:rPr lang="en-US" sz="1400">
+                          <a:effectLst/>
+                        </a:rPr>
+                        <a:t>Accuracy</a:t>
+                      </a:r>
+                      <a:endParaRPr lang="en-US" sz="1100">
+                        <a:effectLst/>
+                      </a:endParaRPr>
+                    </a:p>
+                    <a:p>
+                      <a:pPr marL="0" marR="0">
+                        <a:lnSpc>
+                          <a:spcPct val="107000"/>
+                        </a:lnSpc>
+                        <a:spcAft>
+                          <a:spcPts val="800"/>
+                        </a:spcAft>
+                      </a:pPr>
+                      <a:r>
+                        <a:rPr lang="en-US" sz="1400">
+                          <a:effectLst/>
+                        </a:rPr>
+                        <a:t> </a:t>
+                      </a:r>
+                      <a:endParaRPr lang="en-US" sz="1100">
+                        <a:effectLst/>
+                        <a:latin typeface="Calibri" panose="020F0502020204030204" pitchFamily="34" charset="0"/>
+                        <a:ea typeface="Calibri" panose="020F0502020204030204" pitchFamily="34" charset="0"/>
+                        <a:cs typeface="Times New Roman" panose="02020603050405020304" pitchFamily="18" charset="0"/>
+                      </a:endParaRPr>
+                    </a:p>
+                  </a:txBody>
+                  <a:tcPr marL="68580" marR="68580" marT="0" marB="0"/>
+                </a:tc>
+                <a:tc>
+                  <a:txBody>
+                    <a:bodyPr/>
+                    <a:lstStyle/>
+                    <a:p>
+                      <a:pPr marL="0" marR="0">
+                        <a:lnSpc>
+                          <a:spcPct val="107000"/>
+                        </a:lnSpc>
+                        <a:spcAft>
+                          <a:spcPts val="800"/>
+                        </a:spcAft>
+                      </a:pPr>
+                      <a:r>
+                        <a:rPr lang="en-US" sz="1400">
+                          <a:effectLst/>
+                        </a:rPr>
+                        <a:t>87.13%</a:t>
+                      </a:r>
+                      <a:endParaRPr lang="en-US" sz="1100">
+                        <a:effectLst/>
+                        <a:latin typeface="Calibri" panose="020F0502020204030204" pitchFamily="34" charset="0"/>
+                        <a:ea typeface="Calibri" panose="020F0502020204030204" pitchFamily="34" charset="0"/>
+                        <a:cs typeface="Times New Roman" panose="02020603050405020304" pitchFamily="18" charset="0"/>
+                      </a:endParaRPr>
+                    </a:p>
+                  </a:txBody>
+                  <a:tcPr marL="68580" marR="68580" marT="0" marB="0"/>
+                </a:tc>
+                <a:tc>
+                  <a:txBody>
+                    <a:bodyPr/>
+                    <a:lstStyle/>
+                    <a:p>
+                      <a:pPr marL="0" marR="0">
+                        <a:lnSpc>
+                          <a:spcPct val="107000"/>
+                        </a:lnSpc>
+                        <a:spcAft>
+                          <a:spcPts val="800"/>
+                        </a:spcAft>
+                      </a:pPr>
+                      <a:r>
+                        <a:rPr lang="en-US" sz="1400">
+                          <a:effectLst/>
+                        </a:rPr>
+                        <a:t>86.55%</a:t>
+                      </a:r>
+                      <a:endParaRPr lang="en-US" sz="1100">
+                        <a:effectLst/>
+                        <a:latin typeface="Calibri" panose="020F0502020204030204" pitchFamily="34" charset="0"/>
+                        <a:ea typeface="Calibri" panose="020F0502020204030204" pitchFamily="34" charset="0"/>
+                        <a:cs typeface="Times New Roman" panose="02020603050405020304" pitchFamily="18" charset="0"/>
+                      </a:endParaRPr>
+                    </a:p>
+                  </a:txBody>
+                  <a:tcPr marL="68580" marR="68580" marT="0" marB="0"/>
+                </a:tc>
+                <a:extLst>
+                  <a:ext uri="{0D108BD9-81ED-4DB2-BD59-A6C34878D82A}">
+                    <a16:rowId xmlns:a16="http://schemas.microsoft.com/office/drawing/2014/main" val="542832468"/>
+                  </a:ext>
+                </a:extLst>
+              </a:tr>
+              <a:tr h="666974">
+                <a:tc>
+                  <a:txBody>
+                    <a:bodyPr/>
+                    <a:lstStyle/>
+                    <a:p>
+                      <a:pPr marL="0" marR="0">
+                        <a:lnSpc>
+                          <a:spcPct val="107000"/>
+                        </a:lnSpc>
+                        <a:spcAft>
+                          <a:spcPts val="800"/>
+                        </a:spcAft>
+                      </a:pPr>
+                      <a:r>
+                        <a:rPr lang="en-US" sz="1400">
+                          <a:effectLst/>
+                        </a:rPr>
+                        <a:t>Precision</a:t>
+                      </a:r>
+                      <a:endParaRPr lang="en-US" sz="1100">
+                        <a:effectLst/>
+                      </a:endParaRPr>
+                    </a:p>
+                    <a:p>
+                      <a:pPr marL="0" marR="0">
+                        <a:lnSpc>
+                          <a:spcPct val="107000"/>
+                        </a:lnSpc>
+                        <a:spcAft>
+                          <a:spcPts val="800"/>
+                        </a:spcAft>
+                      </a:pPr>
+                      <a:r>
+                        <a:rPr lang="en-US" sz="1400">
+                          <a:effectLst/>
+                        </a:rPr>
+                        <a:t> </a:t>
+                      </a:r>
+                      <a:endParaRPr lang="en-US" sz="1100">
+                        <a:effectLst/>
+                        <a:latin typeface="Calibri" panose="020F0502020204030204" pitchFamily="34" charset="0"/>
+                        <a:ea typeface="Calibri" panose="020F0502020204030204" pitchFamily="34" charset="0"/>
+                        <a:cs typeface="Times New Roman" panose="02020603050405020304" pitchFamily="18" charset="0"/>
+                      </a:endParaRPr>
+                    </a:p>
+                  </a:txBody>
+                  <a:tcPr marL="68580" marR="68580" marT="0" marB="0"/>
+                </a:tc>
+                <a:tc>
+                  <a:txBody>
+                    <a:bodyPr/>
+                    <a:lstStyle/>
+                    <a:p>
+                      <a:pPr marL="0" marR="0">
+                        <a:lnSpc>
+                          <a:spcPct val="107000"/>
+                        </a:lnSpc>
+                        <a:spcAft>
+                          <a:spcPts val="800"/>
+                        </a:spcAft>
+                      </a:pPr>
+                      <a:r>
+                        <a:rPr lang="en-US" sz="1400">
+                          <a:effectLst/>
+                        </a:rPr>
+                        <a:t>76.46</a:t>
+                      </a:r>
+                      <a:endParaRPr lang="en-US" sz="1100">
+                        <a:effectLst/>
+                        <a:latin typeface="Calibri" panose="020F0502020204030204" pitchFamily="34" charset="0"/>
+                        <a:ea typeface="Calibri" panose="020F0502020204030204" pitchFamily="34" charset="0"/>
+                        <a:cs typeface="Times New Roman" panose="02020603050405020304" pitchFamily="18" charset="0"/>
+                      </a:endParaRPr>
+                    </a:p>
+                  </a:txBody>
+                  <a:tcPr marL="68580" marR="68580" marT="0" marB="0"/>
+                </a:tc>
+                <a:tc>
+                  <a:txBody>
+                    <a:bodyPr/>
+                    <a:lstStyle/>
+                    <a:p>
+                      <a:pPr marL="0" marR="0">
+                        <a:lnSpc>
+                          <a:spcPct val="107000"/>
+                        </a:lnSpc>
+                        <a:spcAft>
+                          <a:spcPts val="800"/>
+                        </a:spcAft>
+                      </a:pPr>
+                      <a:r>
+                        <a:rPr lang="en-US" sz="1400">
+                          <a:effectLst/>
+                        </a:rPr>
+                        <a:t>78.99%</a:t>
+                      </a:r>
+                      <a:endParaRPr lang="en-US" sz="1100">
+                        <a:effectLst/>
+                        <a:latin typeface="Calibri" panose="020F0502020204030204" pitchFamily="34" charset="0"/>
+                        <a:ea typeface="Calibri" panose="020F0502020204030204" pitchFamily="34" charset="0"/>
+                        <a:cs typeface="Times New Roman" panose="02020603050405020304" pitchFamily="18" charset="0"/>
+                      </a:endParaRPr>
+                    </a:p>
+                  </a:txBody>
+                  <a:tcPr marL="68580" marR="68580" marT="0" marB="0"/>
+                </a:tc>
+                <a:extLst>
+                  <a:ext uri="{0D108BD9-81ED-4DB2-BD59-A6C34878D82A}">
+                    <a16:rowId xmlns:a16="http://schemas.microsoft.com/office/drawing/2014/main" val="2501668936"/>
+                  </a:ext>
+                </a:extLst>
+              </a:tr>
+              <a:tr h="666974">
+                <a:tc>
+                  <a:txBody>
+                    <a:bodyPr/>
+                    <a:lstStyle/>
+                    <a:p>
+                      <a:pPr marL="0" marR="0">
+                        <a:lnSpc>
+                          <a:spcPct val="107000"/>
+                        </a:lnSpc>
+                        <a:spcAft>
+                          <a:spcPts val="800"/>
+                        </a:spcAft>
+                      </a:pPr>
+                      <a:r>
+                        <a:rPr lang="en-US" sz="1400">
+                          <a:effectLst/>
+                        </a:rPr>
+                        <a:t>Recall</a:t>
+                      </a:r>
+                      <a:endParaRPr lang="en-US" sz="1100">
+                        <a:effectLst/>
+                      </a:endParaRPr>
+                    </a:p>
+                    <a:p>
+                      <a:pPr marL="0" marR="0">
+                        <a:lnSpc>
+                          <a:spcPct val="107000"/>
+                        </a:lnSpc>
+                        <a:spcAft>
+                          <a:spcPts val="800"/>
+                        </a:spcAft>
+                      </a:pPr>
+                      <a:r>
+                        <a:rPr lang="en-US" sz="1400">
+                          <a:effectLst/>
+                        </a:rPr>
+                        <a:t> </a:t>
+                      </a:r>
+                      <a:endParaRPr lang="en-US" sz="1100">
+                        <a:effectLst/>
+                        <a:latin typeface="Calibri" panose="020F0502020204030204" pitchFamily="34" charset="0"/>
+                        <a:ea typeface="Calibri" panose="020F0502020204030204" pitchFamily="34" charset="0"/>
+                        <a:cs typeface="Times New Roman" panose="02020603050405020304" pitchFamily="18" charset="0"/>
+                      </a:endParaRPr>
+                    </a:p>
+                  </a:txBody>
+                  <a:tcPr marL="68580" marR="68580" marT="0" marB="0"/>
+                </a:tc>
+                <a:tc>
+                  <a:txBody>
+                    <a:bodyPr/>
+                    <a:lstStyle/>
+                    <a:p>
+                      <a:pPr marL="0" marR="0">
+                        <a:lnSpc>
+                          <a:spcPct val="107000"/>
+                        </a:lnSpc>
+                        <a:spcAft>
+                          <a:spcPts val="800"/>
+                        </a:spcAft>
+                      </a:pPr>
+                      <a:r>
+                        <a:rPr lang="en-US" sz="1400">
+                          <a:effectLst/>
+                        </a:rPr>
+                        <a:t>87.13%</a:t>
+                      </a:r>
+                      <a:endParaRPr lang="en-US" sz="1100">
+                        <a:effectLst/>
+                        <a:latin typeface="Calibri" panose="020F0502020204030204" pitchFamily="34" charset="0"/>
+                        <a:ea typeface="Calibri" panose="020F0502020204030204" pitchFamily="34" charset="0"/>
+                        <a:cs typeface="Times New Roman" panose="02020603050405020304" pitchFamily="18" charset="0"/>
+                      </a:endParaRPr>
+                    </a:p>
+                  </a:txBody>
+                  <a:tcPr marL="68580" marR="68580" marT="0" marB="0"/>
+                </a:tc>
+                <a:tc>
+                  <a:txBody>
+                    <a:bodyPr/>
+                    <a:lstStyle/>
+                    <a:p>
+                      <a:pPr marL="0" marR="0">
+                        <a:lnSpc>
+                          <a:spcPct val="107000"/>
+                        </a:lnSpc>
+                        <a:spcAft>
+                          <a:spcPts val="800"/>
+                        </a:spcAft>
+                      </a:pPr>
+                      <a:r>
+                        <a:rPr lang="en-US" sz="1400">
+                          <a:effectLst/>
+                        </a:rPr>
+                        <a:t>86.55%</a:t>
+                      </a:r>
+                      <a:endParaRPr lang="en-US" sz="1100">
+                        <a:effectLst/>
+                        <a:latin typeface="Calibri" panose="020F0502020204030204" pitchFamily="34" charset="0"/>
+                        <a:ea typeface="Calibri" panose="020F0502020204030204" pitchFamily="34" charset="0"/>
+                        <a:cs typeface="Times New Roman" panose="02020603050405020304" pitchFamily="18" charset="0"/>
+                      </a:endParaRPr>
+                    </a:p>
+                  </a:txBody>
+                  <a:tcPr marL="68580" marR="68580" marT="0" marB="0"/>
+                </a:tc>
+                <a:extLst>
+                  <a:ext uri="{0D108BD9-81ED-4DB2-BD59-A6C34878D82A}">
+                    <a16:rowId xmlns:a16="http://schemas.microsoft.com/office/drawing/2014/main" val="279138644"/>
+                  </a:ext>
+                </a:extLst>
+              </a:tr>
+              <a:tr h="666974">
+                <a:tc>
+                  <a:txBody>
+                    <a:bodyPr/>
+                    <a:lstStyle/>
+                    <a:p>
+                      <a:pPr marL="0" marR="0">
+                        <a:lnSpc>
+                          <a:spcPct val="107000"/>
+                        </a:lnSpc>
+                        <a:spcAft>
+                          <a:spcPts val="800"/>
+                        </a:spcAft>
+                      </a:pPr>
+                      <a:r>
+                        <a:rPr lang="en-US" sz="1400">
+                          <a:effectLst/>
+                        </a:rPr>
+                        <a:t>F1 Score</a:t>
+                      </a:r>
+                      <a:endParaRPr lang="en-US" sz="1100">
+                        <a:effectLst/>
+                      </a:endParaRPr>
+                    </a:p>
+                    <a:p>
+                      <a:pPr marL="0" marR="0">
+                        <a:lnSpc>
+                          <a:spcPct val="107000"/>
+                        </a:lnSpc>
+                        <a:spcAft>
+                          <a:spcPts val="800"/>
+                        </a:spcAft>
+                      </a:pPr>
+                      <a:r>
+                        <a:rPr lang="en-US" sz="1400">
+                          <a:effectLst/>
+                        </a:rPr>
+                        <a:t> </a:t>
+                      </a:r>
+                      <a:endParaRPr lang="en-US" sz="1100">
+                        <a:effectLst/>
+                        <a:latin typeface="Calibri" panose="020F0502020204030204" pitchFamily="34" charset="0"/>
+                        <a:ea typeface="Calibri" panose="020F0502020204030204" pitchFamily="34" charset="0"/>
+                        <a:cs typeface="Times New Roman" panose="02020603050405020304" pitchFamily="18" charset="0"/>
+                      </a:endParaRPr>
+                    </a:p>
+                  </a:txBody>
+                  <a:tcPr marL="68580" marR="68580" marT="0" marB="0"/>
+                </a:tc>
+                <a:tc>
+                  <a:txBody>
+                    <a:bodyPr/>
+                    <a:lstStyle/>
+                    <a:p>
+                      <a:pPr marL="0" marR="0">
+                        <a:lnSpc>
+                          <a:spcPct val="107000"/>
+                        </a:lnSpc>
+                        <a:spcAft>
+                          <a:spcPts val="800"/>
+                        </a:spcAft>
+                      </a:pPr>
+                      <a:r>
+                        <a:rPr lang="en-US" sz="1400">
+                          <a:effectLst/>
+                        </a:rPr>
+                        <a:t>81.44%</a:t>
+                      </a:r>
+                      <a:endParaRPr lang="en-US" sz="1100">
+                        <a:effectLst/>
+                        <a:latin typeface="Calibri" panose="020F0502020204030204" pitchFamily="34" charset="0"/>
+                        <a:ea typeface="Calibri" panose="020F0502020204030204" pitchFamily="34" charset="0"/>
+                        <a:cs typeface="Times New Roman" panose="02020603050405020304" pitchFamily="18" charset="0"/>
+                      </a:endParaRPr>
+                    </a:p>
+                  </a:txBody>
+                  <a:tcPr marL="68580" marR="68580" marT="0" marB="0"/>
+                </a:tc>
+                <a:tc>
+                  <a:txBody>
+                    <a:bodyPr/>
+                    <a:lstStyle/>
+                    <a:p>
+                      <a:pPr marL="0" marR="0">
+                        <a:lnSpc>
+                          <a:spcPct val="107000"/>
+                        </a:lnSpc>
+                        <a:spcAft>
+                          <a:spcPts val="800"/>
+                        </a:spcAft>
+                      </a:pPr>
+                      <a:r>
+                        <a:rPr lang="en-US" sz="1400" dirty="0">
+                          <a:effectLst/>
+                        </a:rPr>
+                        <a:t>81.81%</a:t>
+                      </a:r>
+                      <a:endParaRPr lang="en-US" sz="1100" dirty="0">
+                        <a:effectLst/>
+                        <a:latin typeface="Calibri" panose="020F0502020204030204" pitchFamily="34" charset="0"/>
+                        <a:ea typeface="Calibri" panose="020F0502020204030204" pitchFamily="34" charset="0"/>
+                        <a:cs typeface="Times New Roman" panose="02020603050405020304" pitchFamily="18" charset="0"/>
+                      </a:endParaRPr>
+                    </a:p>
+                  </a:txBody>
+                  <a:tcPr marL="68580" marR="68580" marT="0" marB="0"/>
+                </a:tc>
+                <a:extLst>
+                  <a:ext uri="{0D108BD9-81ED-4DB2-BD59-A6C34878D82A}">
+                    <a16:rowId xmlns:a16="http://schemas.microsoft.com/office/drawing/2014/main" val="743461998"/>
+                  </a:ext>
+                </a:extLst>
+              </a:tr>
+            </a:tbl>
+          </a:graphicData>
+        </a:graphic>
+      </p:graphicFrame>
       <p:sp>
         <p:nvSpPr>
-          <p:cNvPr id="2" name="Rectangle 1">
+          <p:cNvPr id="4" name="Rectangle 1">
             <a:extLst>
               <a:ext uri="{FF2B5EF4-FFF2-40B4-BE49-F238E27FC236}">
-                <a16:creationId xmlns:a16="http://schemas.microsoft.com/office/drawing/2014/main" id="{139F1CFB-225A-0BCD-56BD-38F12657E465}"/>
+                <a16:creationId xmlns:a16="http://schemas.microsoft.com/office/drawing/2014/main" id="{3BDF9AAA-E802-F09E-C293-C512ECD05146}"/>
               </a:ext>
             </a:extLst>
           </p:cNvPr>
@@ -11179,8 +12439,8 @@
         </p:nvSpPr>
         <p:spPr bwMode="auto">
           <a:xfrm>
-            <a:off x="1804081" y="910218"/>
-            <a:ext cx="9504217" cy="5878532"/>
+            <a:off x="1736445" y="1675382"/>
+            <a:ext cx="8581931" cy="461665"/>
           </a:xfrm>
           <a:prstGeom prst="rect">
             <a:avLst/>
@@ -11245,7 +12505,7 @@
               <a:tabLst/>
             </a:pPr>
             <a:r>
-              <a:rPr kumimoji="0" lang="en-US" altLang="en-US" sz="2400" b="1" i="0" u="none" strike="noStrike" cap="none" normalizeH="0" baseline="0" dirty="0">
+              <a:rPr kumimoji="0" lang="en-US" altLang="en-US" sz="2400" b="1" i="1" u="none" strike="noStrike" cap="none" normalizeH="0" baseline="0" dirty="0">
                 <a:ln>
                   <a:noFill/>
                 </a:ln>
@@ -11254,429 +12514,12 @@
                 </a:solidFill>
                 <a:effectLst/>
                 <a:latin typeface="Times New Roman" panose="02020603050405020304" pitchFamily="18" charset="0"/>
+                <a:ea typeface="Calibri" panose="020F0502020204030204" pitchFamily="34" charset="0"/>
                 <a:cs typeface="Times New Roman" panose="02020603050405020304" pitchFamily="18" charset="0"/>
               </a:rPr>
-              <a:t>Model Evaluation</a:t>
-            </a:r>
-          </a:p>
-          <a:p>
-            <a:pPr marL="0" marR="0" lvl="0" indent="0" algn="l" defTabSz="914400" rtl="0" eaLnBrk="0" fontAlgn="base" latinLnBrk="0" hangingPunct="0">
-              <a:lnSpc>
-                <a:spcPct val="100000"/>
-              </a:lnSpc>
-              <a:spcBef>
-                <a:spcPct val="0"/>
-              </a:spcBef>
-              <a:spcAft>
-                <a:spcPct val="0"/>
-              </a:spcAft>
-              <a:buClrTx/>
-              <a:buSzTx/>
-              <a:buFontTx/>
-              <a:buNone/>
-              <a:tabLst/>
-            </a:pPr>
-            <a:endParaRPr kumimoji="0" lang="en-US" altLang="en-US" sz="2400" b="1" i="0" u="none" strike="noStrike" cap="none" normalizeH="0" baseline="0" dirty="0">
-              <a:ln>
-                <a:noFill/>
-              </a:ln>
-              <a:solidFill>
-                <a:schemeClr val="tx1"/>
-              </a:solidFill>
-              <a:effectLst/>
-              <a:latin typeface="Times New Roman" panose="02020603050405020304" pitchFamily="18" charset="0"/>
-              <a:cs typeface="Times New Roman" panose="02020603050405020304" pitchFamily="18" charset="0"/>
-            </a:endParaRPr>
-          </a:p>
-          <a:p>
-            <a:pPr marL="0" marR="0" lvl="0" indent="0" algn="l" defTabSz="914400" rtl="0" eaLnBrk="0" fontAlgn="base" latinLnBrk="0" hangingPunct="0">
-              <a:lnSpc>
-                <a:spcPct val="100000"/>
-              </a:lnSpc>
-              <a:spcBef>
-                <a:spcPct val="0"/>
-              </a:spcBef>
-              <a:spcAft>
-                <a:spcPct val="0"/>
-              </a:spcAft>
-              <a:buClrTx/>
-              <a:buSzTx/>
-              <a:buFontTx/>
-              <a:buChar char="•"/>
-              <a:tabLst/>
-            </a:pPr>
-            <a:r>
-              <a:rPr kumimoji="0" lang="en-US" altLang="en-US" sz="2400" b="1" i="0" u="none" strike="noStrike" cap="none" normalizeH="0" baseline="0" dirty="0">
-                <a:ln>
-                  <a:noFill/>
-                </a:ln>
-                <a:solidFill>
-                  <a:schemeClr val="tx1"/>
-                </a:solidFill>
-                <a:effectLst/>
-                <a:latin typeface="Times New Roman" panose="02020603050405020304" pitchFamily="18" charset="0"/>
-                <a:cs typeface="Times New Roman" panose="02020603050405020304" pitchFamily="18" charset="0"/>
-              </a:rPr>
-              <a:t>Performance Metrics</a:t>
-            </a:r>
-            <a:r>
-              <a:rPr lang="en-US" altLang="en-US" sz="2400" dirty="0">
-                <a:latin typeface="Times New Roman" panose="02020603050405020304" pitchFamily="18" charset="0"/>
-                <a:cs typeface="Times New Roman" panose="02020603050405020304" pitchFamily="18" charset="0"/>
-              </a:rPr>
-              <a:t> (GB):</a:t>
-            </a:r>
-            <a:endParaRPr kumimoji="0" lang="en-US" altLang="en-US" sz="2400" b="0" i="0" u="none" strike="noStrike" cap="none" normalizeH="0" baseline="0" dirty="0">
-              <a:ln>
-                <a:noFill/>
-              </a:ln>
-              <a:solidFill>
-                <a:schemeClr val="tx1"/>
-              </a:solidFill>
-              <a:effectLst/>
-              <a:latin typeface="Times New Roman" panose="02020603050405020304" pitchFamily="18" charset="0"/>
-              <a:cs typeface="Times New Roman" panose="02020603050405020304" pitchFamily="18" charset="0"/>
-            </a:endParaRPr>
-          </a:p>
-          <a:p>
-            <a:pPr marL="457200" marR="0" lvl="1" indent="0" algn="l" defTabSz="914400" rtl="0" eaLnBrk="0" fontAlgn="base" latinLnBrk="0" hangingPunct="0">
-              <a:lnSpc>
-                <a:spcPct val="150000"/>
-              </a:lnSpc>
-              <a:spcBef>
-                <a:spcPct val="0"/>
-              </a:spcBef>
-              <a:spcAft>
-                <a:spcPct val="0"/>
-              </a:spcAft>
-              <a:buClrTx/>
-              <a:buSzTx/>
-              <a:buFontTx/>
-              <a:buChar char="•"/>
-              <a:tabLst/>
-            </a:pPr>
-            <a:r>
-              <a:rPr kumimoji="0" lang="en-US" altLang="en-US" sz="2400" b="0" i="0" u="none" strike="noStrike" cap="none" normalizeH="0" baseline="0" dirty="0">
-                <a:ln>
-                  <a:noFill/>
-                </a:ln>
-                <a:solidFill>
-                  <a:schemeClr val="tx1"/>
-                </a:solidFill>
-                <a:effectLst/>
-                <a:latin typeface="Times New Roman" panose="02020603050405020304" pitchFamily="18" charset="0"/>
-                <a:cs typeface="Times New Roman" panose="02020603050405020304" pitchFamily="18" charset="0"/>
-              </a:rPr>
-              <a:t> </a:t>
-            </a:r>
-            <a:r>
-              <a:rPr lang="en-US" sz="2000" dirty="0">
-                <a:latin typeface="Times New Roman" panose="02020603050405020304" pitchFamily="18" charset="0"/>
-                <a:cs typeface="Times New Roman" panose="02020603050405020304" pitchFamily="18" charset="0"/>
-              </a:rPr>
-              <a:t>Accuracy: 87.13% </a:t>
-            </a:r>
-          </a:p>
-          <a:p>
-            <a:pPr marL="457200" marR="0" lvl="1" indent="0" algn="l" defTabSz="914400" rtl="0" eaLnBrk="0" fontAlgn="base" latinLnBrk="0" hangingPunct="0">
-              <a:lnSpc>
-                <a:spcPct val="150000"/>
-              </a:lnSpc>
-              <a:spcBef>
-                <a:spcPct val="0"/>
-              </a:spcBef>
-              <a:spcAft>
-                <a:spcPct val="0"/>
-              </a:spcAft>
-              <a:buClrTx/>
-              <a:buSzTx/>
-              <a:buFontTx/>
-              <a:buChar char="•"/>
-              <a:tabLst/>
-            </a:pPr>
-            <a:r>
-              <a:rPr lang="en-US" sz="2000" dirty="0">
-                <a:latin typeface="Times New Roman" panose="02020603050405020304" pitchFamily="18" charset="0"/>
-                <a:cs typeface="Times New Roman" panose="02020603050405020304" pitchFamily="18" charset="0"/>
-              </a:rPr>
-              <a:t> Precision: 76.46% </a:t>
-            </a:r>
-          </a:p>
-          <a:p>
-            <a:pPr marL="457200" marR="0" lvl="1" indent="0" algn="l" defTabSz="914400" rtl="0" eaLnBrk="0" fontAlgn="base" latinLnBrk="0" hangingPunct="0">
-              <a:lnSpc>
-                <a:spcPct val="150000"/>
-              </a:lnSpc>
-              <a:spcBef>
-                <a:spcPct val="0"/>
-              </a:spcBef>
-              <a:spcAft>
-                <a:spcPct val="0"/>
-              </a:spcAft>
-              <a:buClrTx/>
-              <a:buSzTx/>
-              <a:tabLst/>
-            </a:pPr>
-            <a:r>
-              <a:rPr lang="en-US" sz="2000" dirty="0">
-                <a:latin typeface="Times New Roman" panose="02020603050405020304" pitchFamily="18" charset="0"/>
-                <a:cs typeface="Times New Roman" panose="02020603050405020304" pitchFamily="18" charset="0"/>
-              </a:rPr>
-              <a:t>• Recall: 87.13% </a:t>
-            </a:r>
-          </a:p>
-          <a:p>
-            <a:pPr marL="457200" marR="0" lvl="1" indent="0" algn="l" defTabSz="914400" rtl="0" eaLnBrk="0" fontAlgn="base" latinLnBrk="0" hangingPunct="0">
-              <a:lnSpc>
-                <a:spcPct val="150000"/>
-              </a:lnSpc>
-              <a:spcBef>
-                <a:spcPct val="0"/>
-              </a:spcBef>
-              <a:spcAft>
-                <a:spcPct val="0"/>
-              </a:spcAft>
-              <a:buClrTx/>
-              <a:buSzTx/>
-              <a:tabLst/>
-            </a:pPr>
-            <a:r>
-              <a:rPr lang="en-US" sz="2000" dirty="0">
-                <a:latin typeface="Times New Roman" panose="02020603050405020304" pitchFamily="18" charset="0"/>
-                <a:cs typeface="Times New Roman" panose="02020603050405020304" pitchFamily="18" charset="0"/>
-              </a:rPr>
-              <a:t>• F1 Score: 81.44%</a:t>
-            </a:r>
-            <a:endParaRPr kumimoji="0" lang="en-US" altLang="en-US" sz="2000" b="0" i="0" u="none" strike="noStrike" cap="none" normalizeH="0" baseline="0" dirty="0">
-              <a:ln>
-                <a:noFill/>
-              </a:ln>
-              <a:solidFill>
-                <a:schemeClr val="tx1"/>
-              </a:solidFill>
-              <a:effectLst/>
-              <a:latin typeface="Times New Roman" panose="02020603050405020304" pitchFamily="18" charset="0"/>
-              <a:cs typeface="Times New Roman" panose="02020603050405020304" pitchFamily="18" charset="0"/>
-            </a:endParaRPr>
-          </a:p>
-          <a:p>
-            <a:pPr marL="457200" marR="0" lvl="1" indent="0" algn="l" defTabSz="914400" rtl="0" eaLnBrk="0" fontAlgn="base" latinLnBrk="0" hangingPunct="0">
-              <a:lnSpc>
-                <a:spcPct val="100000"/>
-              </a:lnSpc>
-              <a:spcBef>
-                <a:spcPct val="0"/>
-              </a:spcBef>
-              <a:spcAft>
-                <a:spcPct val="0"/>
-              </a:spcAft>
-              <a:buClrTx/>
-              <a:buSzTx/>
-              <a:tabLst/>
-            </a:pPr>
-            <a:endParaRPr kumimoji="0" lang="en-US" altLang="en-US" sz="2400" b="0" i="0" u="none" strike="noStrike" cap="none" normalizeH="0" baseline="0" dirty="0">
-              <a:ln>
-                <a:noFill/>
-              </a:ln>
-              <a:solidFill>
-                <a:schemeClr val="tx1"/>
-              </a:solidFill>
-              <a:effectLst/>
-              <a:latin typeface="Times New Roman" panose="02020603050405020304" pitchFamily="18" charset="0"/>
-              <a:cs typeface="Times New Roman" panose="02020603050405020304" pitchFamily="18" charset="0"/>
-            </a:endParaRPr>
-          </a:p>
-          <a:p>
-            <a:pPr marL="0" marR="0" lvl="0" indent="0" algn="l" defTabSz="914400" rtl="0" eaLnBrk="0" fontAlgn="base" latinLnBrk="0" hangingPunct="0">
-              <a:lnSpc>
-                <a:spcPct val="100000"/>
-              </a:lnSpc>
-              <a:spcBef>
-                <a:spcPct val="0"/>
-              </a:spcBef>
-              <a:spcAft>
-                <a:spcPct val="0"/>
-              </a:spcAft>
-              <a:buClrTx/>
-              <a:buSzTx/>
-              <a:buFontTx/>
-              <a:buChar char="•"/>
-              <a:tabLst/>
-            </a:pPr>
-            <a:r>
-              <a:rPr kumimoji="0" lang="en-US" altLang="en-US" sz="2400" b="1" i="0" u="none" strike="noStrike" cap="none" normalizeH="0" baseline="0" dirty="0">
-                <a:ln>
-                  <a:noFill/>
-                </a:ln>
-                <a:solidFill>
-                  <a:schemeClr val="tx1"/>
-                </a:solidFill>
-                <a:effectLst/>
-                <a:latin typeface="Times New Roman" panose="02020603050405020304" pitchFamily="18" charset="0"/>
-                <a:cs typeface="Times New Roman" panose="02020603050405020304" pitchFamily="18" charset="0"/>
-              </a:rPr>
-              <a:t>Key Observations</a:t>
-            </a:r>
-            <a:r>
-              <a:rPr kumimoji="0" lang="en-US" altLang="en-US" sz="2400" b="0" i="0" u="none" strike="noStrike" cap="none" normalizeH="0" baseline="0" dirty="0">
-                <a:ln>
-                  <a:noFill/>
-                </a:ln>
-                <a:solidFill>
-                  <a:schemeClr val="tx1"/>
-                </a:solidFill>
-                <a:effectLst/>
-                <a:latin typeface="Times New Roman" panose="02020603050405020304" pitchFamily="18" charset="0"/>
-                <a:cs typeface="Times New Roman" panose="02020603050405020304" pitchFamily="18" charset="0"/>
-              </a:rPr>
-              <a:t>:</a:t>
-            </a:r>
-          </a:p>
-          <a:p>
-            <a:pPr marL="457200" marR="0" lvl="1" indent="0" algn="l" defTabSz="914400" rtl="0" eaLnBrk="0" fontAlgn="base" latinLnBrk="0" hangingPunct="0">
-              <a:lnSpc>
-                <a:spcPct val="150000"/>
-              </a:lnSpc>
-              <a:spcBef>
-                <a:spcPct val="0"/>
-              </a:spcBef>
-              <a:spcAft>
-                <a:spcPct val="0"/>
-              </a:spcAft>
-              <a:buClrTx/>
-              <a:buSzTx/>
-              <a:buFontTx/>
-              <a:buChar char="•"/>
-              <a:tabLst/>
-            </a:pPr>
-            <a:r>
-              <a:rPr lang="en-US" altLang="en-US" sz="2200" dirty="0">
-                <a:latin typeface="Times New Roman" panose="02020603050405020304" pitchFamily="18" charset="0"/>
-                <a:cs typeface="Times New Roman" panose="02020603050405020304" pitchFamily="18" charset="0"/>
-              </a:rPr>
-              <a:t>Gradient Boosting </a:t>
-            </a:r>
-            <a:r>
-              <a:rPr kumimoji="0" lang="en-US" altLang="en-US" sz="2200" b="0" i="0" u="none" strike="noStrike" cap="none" normalizeH="0" baseline="0" dirty="0">
-                <a:ln>
-                  <a:noFill/>
-                </a:ln>
-                <a:solidFill>
-                  <a:schemeClr val="tx1"/>
-                </a:solidFill>
-                <a:effectLst/>
-                <a:latin typeface="Times New Roman" panose="02020603050405020304" pitchFamily="18" charset="0"/>
-                <a:cs typeface="Times New Roman" panose="02020603050405020304" pitchFamily="18" charset="0"/>
-              </a:rPr>
-              <a:t>outperformed other models.</a:t>
-            </a:r>
-          </a:p>
-          <a:p>
-            <a:pPr marL="457200" marR="0" lvl="1" indent="0" algn="l" defTabSz="914400" rtl="0" eaLnBrk="0" fontAlgn="base" latinLnBrk="0" hangingPunct="0">
-              <a:lnSpc>
-                <a:spcPct val="150000"/>
-              </a:lnSpc>
-              <a:spcBef>
-                <a:spcPct val="0"/>
-              </a:spcBef>
-              <a:spcAft>
-                <a:spcPct val="0"/>
-              </a:spcAft>
-              <a:buClrTx/>
-              <a:buSzTx/>
-              <a:buFontTx/>
-              <a:buChar char="•"/>
-              <a:tabLst/>
-            </a:pPr>
-            <a:r>
-              <a:rPr kumimoji="0" lang="en-US" altLang="en-US" sz="2200" b="0" i="0" u="none" strike="noStrike" cap="none" normalizeH="0" baseline="0" dirty="0">
-                <a:ln>
-                  <a:noFill/>
-                </a:ln>
-                <a:solidFill>
-                  <a:schemeClr val="tx1"/>
-                </a:solidFill>
-                <a:effectLst/>
-                <a:latin typeface="Times New Roman" panose="02020603050405020304" pitchFamily="18" charset="0"/>
-                <a:cs typeface="Times New Roman" panose="02020603050405020304" pitchFamily="18" charset="0"/>
-              </a:rPr>
-              <a:t>High accuracy in predicting crash occurrences and severity.</a:t>
-            </a:r>
-          </a:p>
-          <a:p>
-            <a:pPr marL="457200" marR="0" lvl="1" indent="0" algn="l" defTabSz="914400" rtl="0" eaLnBrk="0" fontAlgn="base" latinLnBrk="0" hangingPunct="0">
-              <a:lnSpc>
-                <a:spcPct val="100000"/>
-              </a:lnSpc>
-              <a:spcBef>
-                <a:spcPct val="0"/>
-              </a:spcBef>
-              <a:spcAft>
-                <a:spcPct val="0"/>
-              </a:spcAft>
-              <a:buClrTx/>
-              <a:buSzTx/>
-              <a:buFontTx/>
-              <a:buChar char="•"/>
-              <a:tabLst/>
-            </a:pPr>
-            <a:endParaRPr kumimoji="0" lang="en-US" altLang="en-US" sz="2200" b="0" i="0" u="none" strike="noStrike" cap="none" normalizeH="0" baseline="0" dirty="0">
-              <a:ln>
-                <a:noFill/>
-              </a:ln>
-              <a:solidFill>
-                <a:schemeClr val="tx1"/>
-              </a:solidFill>
-              <a:effectLst/>
-              <a:latin typeface="Times New Roman" panose="02020603050405020304" pitchFamily="18" charset="0"/>
-              <a:cs typeface="Times New Roman" panose="02020603050405020304" pitchFamily="18" charset="0"/>
-            </a:endParaRPr>
-          </a:p>
-          <a:p>
-            <a:pPr marL="0" marR="0" lvl="0" indent="0" algn="l" defTabSz="914400" rtl="0" eaLnBrk="0" fontAlgn="base" latinLnBrk="0" hangingPunct="0">
-              <a:lnSpc>
-                <a:spcPct val="100000"/>
-              </a:lnSpc>
-              <a:spcBef>
-                <a:spcPct val="0"/>
-              </a:spcBef>
-              <a:spcAft>
-                <a:spcPct val="0"/>
-              </a:spcAft>
-              <a:buClrTx/>
-              <a:buSzTx/>
-              <a:tabLst/>
-            </a:pPr>
-            <a:endParaRPr kumimoji="0" lang="en-US" altLang="en-US" sz="2400" b="0" i="0" u="none" strike="noStrike" cap="none" normalizeH="0" baseline="0" dirty="0">
-              <a:ln>
-                <a:noFill/>
-              </a:ln>
-              <a:solidFill>
-                <a:schemeClr val="tx1"/>
-              </a:solidFill>
-              <a:effectLst/>
-              <a:latin typeface="Times New Roman" panose="02020603050405020304" pitchFamily="18" charset="0"/>
-              <a:cs typeface="Times New Roman" panose="02020603050405020304" pitchFamily="18" charset="0"/>
-            </a:endParaRPr>
-          </a:p>
-          <a:p>
-            <a:pPr marL="0" marR="0" lvl="0" indent="0" algn="l" defTabSz="914400" rtl="0" eaLnBrk="0" fontAlgn="base" latinLnBrk="0" hangingPunct="0">
-              <a:lnSpc>
-                <a:spcPct val="100000"/>
-              </a:lnSpc>
-              <a:spcBef>
-                <a:spcPct val="0"/>
-              </a:spcBef>
-              <a:spcAft>
-                <a:spcPct val="0"/>
-              </a:spcAft>
-              <a:buClrTx/>
-              <a:buSzTx/>
-              <a:buFontTx/>
-              <a:buNone/>
-              <a:tabLst/>
-            </a:pPr>
-            <a:endParaRPr kumimoji="0" lang="en-US" altLang="en-US" sz="1800" b="0" i="0" u="none" strike="noStrike" cap="none" normalizeH="0" baseline="0" dirty="0">
+              <a:t>Model Performance - Evaluation Metrics: Comparison Table</a:t>
+            </a:r>
+            <a:endParaRPr kumimoji="0" lang="en-US" altLang="en-US" sz="2400" b="1" i="1" u="none" strike="noStrike" cap="none" normalizeH="0" baseline="0" dirty="0">
               <a:ln>
                 <a:noFill/>
               </a:ln>
@@ -11692,7 +12535,7 @@
     </p:spTree>
     <p:extLst>
       <p:ext uri="{BB962C8B-B14F-4D97-AF65-F5344CB8AC3E}">
-        <p14:creationId xmlns:p14="http://schemas.microsoft.com/office/powerpoint/2010/main" val="3916930139"/>
+        <p14:creationId xmlns:p14="http://schemas.microsoft.com/office/powerpoint/2010/main" val="3967890430"/>
       </p:ext>
     </p:extLst>
   </p:cSld>
